--- a/MarketingProject.pptx
+++ b/MarketingProject.pptx
@@ -197,7 +197,7 @@
           <a:p>
             <a:fld id="{B88EB822-C65D-4F63-8844-3185A229456B}" type="datetimeFigureOut">
               <a:rPr lang="en-GB" smtClean="0"/>
-              <a:t>03/05/2021</a:t>
+              <a:t>04/05/2021</a:t>
             </a:fld>
             <a:endParaRPr lang="en-GB"/>
           </a:p>
@@ -705,7 +705,7 @@
           <a:p>
             <a:fld id="{88896631-C7E4-4635-9282-84EB17CD27B2}" type="datetimeFigureOut">
               <a:rPr lang="en-GB" smtClean="0"/>
-              <a:t>03/05/2021</a:t>
+              <a:t>04/05/2021</a:t>
             </a:fld>
             <a:endParaRPr lang="en-GB"/>
           </a:p>
@@ -875,7 +875,7 @@
           <a:p>
             <a:fld id="{88896631-C7E4-4635-9282-84EB17CD27B2}" type="datetimeFigureOut">
               <a:rPr lang="en-GB" smtClean="0"/>
-              <a:t>03/05/2021</a:t>
+              <a:t>04/05/2021</a:t>
             </a:fld>
             <a:endParaRPr lang="en-GB"/>
           </a:p>
@@ -1055,7 +1055,7 @@
           <a:p>
             <a:fld id="{88896631-C7E4-4635-9282-84EB17CD27B2}" type="datetimeFigureOut">
               <a:rPr lang="en-GB" smtClean="0"/>
-              <a:t>03/05/2021</a:t>
+              <a:t>04/05/2021</a:t>
             </a:fld>
             <a:endParaRPr lang="en-GB"/>
           </a:p>
@@ -1225,7 +1225,7 @@
           <a:p>
             <a:fld id="{88896631-C7E4-4635-9282-84EB17CD27B2}" type="datetimeFigureOut">
               <a:rPr lang="en-GB" smtClean="0"/>
-              <a:t>03/05/2021</a:t>
+              <a:t>04/05/2021</a:t>
             </a:fld>
             <a:endParaRPr lang="en-GB"/>
           </a:p>
@@ -1469,7 +1469,7 @@
           <a:p>
             <a:fld id="{88896631-C7E4-4635-9282-84EB17CD27B2}" type="datetimeFigureOut">
               <a:rPr lang="en-GB" smtClean="0"/>
-              <a:t>03/05/2021</a:t>
+              <a:t>04/05/2021</a:t>
             </a:fld>
             <a:endParaRPr lang="en-GB"/>
           </a:p>
@@ -1701,7 +1701,7 @@
           <a:p>
             <a:fld id="{88896631-C7E4-4635-9282-84EB17CD27B2}" type="datetimeFigureOut">
               <a:rPr lang="en-GB" smtClean="0"/>
-              <a:t>03/05/2021</a:t>
+              <a:t>04/05/2021</a:t>
             </a:fld>
             <a:endParaRPr lang="en-GB"/>
           </a:p>
@@ -2068,7 +2068,7 @@
           <a:p>
             <a:fld id="{88896631-C7E4-4635-9282-84EB17CD27B2}" type="datetimeFigureOut">
               <a:rPr lang="en-GB" smtClean="0"/>
-              <a:t>03/05/2021</a:t>
+              <a:t>04/05/2021</a:t>
             </a:fld>
             <a:endParaRPr lang="en-GB"/>
           </a:p>
@@ -2186,7 +2186,7 @@
           <a:p>
             <a:fld id="{88896631-C7E4-4635-9282-84EB17CD27B2}" type="datetimeFigureOut">
               <a:rPr lang="en-GB" smtClean="0"/>
-              <a:t>03/05/2021</a:t>
+              <a:t>04/05/2021</a:t>
             </a:fld>
             <a:endParaRPr lang="en-GB"/>
           </a:p>
@@ -2281,7 +2281,7 @@
           <a:p>
             <a:fld id="{88896631-C7E4-4635-9282-84EB17CD27B2}" type="datetimeFigureOut">
               <a:rPr lang="en-GB" smtClean="0"/>
-              <a:t>03/05/2021</a:t>
+              <a:t>04/05/2021</a:t>
             </a:fld>
             <a:endParaRPr lang="en-GB"/>
           </a:p>
@@ -2558,7 +2558,7 @@
           <a:p>
             <a:fld id="{88896631-C7E4-4635-9282-84EB17CD27B2}" type="datetimeFigureOut">
               <a:rPr lang="en-GB" smtClean="0"/>
-              <a:t>03/05/2021</a:t>
+              <a:t>04/05/2021</a:t>
             </a:fld>
             <a:endParaRPr lang="en-GB"/>
           </a:p>
@@ -2815,7 +2815,7 @@
           <a:p>
             <a:fld id="{88896631-C7E4-4635-9282-84EB17CD27B2}" type="datetimeFigureOut">
               <a:rPr lang="en-GB" smtClean="0"/>
-              <a:t>03/05/2021</a:t>
+              <a:t>04/05/2021</a:t>
             </a:fld>
             <a:endParaRPr lang="en-GB"/>
           </a:p>
@@ -3028,7 +3028,7 @@
           <a:p>
             <a:fld id="{88896631-C7E4-4635-9282-84EB17CD27B2}" type="datetimeFigureOut">
               <a:rPr lang="en-GB" smtClean="0"/>
-              <a:t>03/05/2021</a:t>
+              <a:t>04/05/2021</a:t>
             </a:fld>
             <a:endParaRPr lang="en-GB"/>
           </a:p>
@@ -3445,7 +3445,7 @@
         </p:nvSpPr>
         <p:spPr>
           <a:xfrm>
-            <a:off x="614818" y="379303"/>
+            <a:off x="614818" y="370159"/>
             <a:ext cx="7886700" cy="1325563"/>
           </a:xfrm>
         </p:spPr>
@@ -3638,7 +3638,7 @@
           <a:p>
             <a:pPr algn="r"/>
             <a:r>
-              <a:rPr lang="es-419" sz="1600" dirty="0" err="1" smtClean="0">
+              <a:rPr lang="es-419" sz="1600" dirty="0" err="1">
                 <a:solidFill>
                   <a:schemeClr val="dk1"/>
                 </a:solidFill>
@@ -3647,12 +3647,42 @@
                 <a:cs typeface="Calibri"/>
                 <a:sym typeface="Calibri"/>
               </a:rPr>
-              <a:t>points</a:t>
-            </a:r>
-            <a:endParaRPr sz="1600" dirty="0">
+              <a:t>p</a:t>
+            </a:r>
+            <a:r>
+              <a:rPr lang="es-419" sz="1600" dirty="0" err="1" smtClean="0">
+                <a:solidFill>
+                  <a:schemeClr val="dk1"/>
+                </a:solidFill>
+                <a:latin typeface="Calibri"/>
+                <a:ea typeface="Calibri"/>
+                <a:cs typeface="Calibri"/>
+                <a:sym typeface="Calibri"/>
+              </a:rPr>
+              <a:t>oints</a:t>
+            </a:r>
+            <a:endParaRPr lang="es-419" sz="1600" dirty="0" smtClean="0">
               <a:solidFill>
                 <a:schemeClr val="dk1"/>
               </a:solidFill>
+              <a:latin typeface="Calibri"/>
+              <a:ea typeface="Calibri"/>
+              <a:cs typeface="Calibri"/>
+              <a:sym typeface="Calibri"/>
+            </a:endParaRPr>
+          </a:p>
+          <a:p>
+            <a:pPr algn="r"/>
+            <a:r>
+              <a:rPr lang="es-419" sz="1600" dirty="0" err="1" smtClean="0">
+                <a:latin typeface="Calibri"/>
+                <a:ea typeface="Calibri"/>
+                <a:cs typeface="Calibri"/>
+                <a:sym typeface="Calibri"/>
+              </a:rPr>
+              <a:t>isBanned</a:t>
+            </a:r>
+            <a:endParaRPr sz="1600" dirty="0">
               <a:latin typeface="Calibri"/>
               <a:ea typeface="Calibri"/>
               <a:cs typeface="Calibri"/>
@@ -4035,7 +4065,7 @@
           <a:lstStyle/>
           <a:p>
             <a:r>
-              <a:rPr lang="es-419" sz="1400" dirty="0">
+              <a:rPr lang="es-419" sz="1400" dirty="0" smtClean="0">
                 <a:solidFill>
                   <a:schemeClr val="dk1"/>
                 </a:solidFill>
@@ -4056,7 +4086,7 @@
                 <a:cs typeface="Calibri"/>
                 <a:sym typeface="Calibri"/>
               </a:rPr>
-              <a:t>:1</a:t>
+              <a:t>:N</a:t>
             </a:r>
             <a:endParaRPr sz="1400" dirty="0">
               <a:solidFill>
@@ -5099,7 +5129,7 @@
           <a:p>
             <a:pPr algn="ctr"/>
             <a:r>
-              <a:rPr lang="es-419" dirty="0" err="1" smtClean="0">
+              <a:rPr lang="es-CL" dirty="0" err="1" smtClean="0">
                 <a:solidFill>
                   <a:schemeClr val="dk1"/>
                 </a:solidFill>
@@ -5108,7 +5138,7 @@
                 <a:cs typeface="Calibri"/>
                 <a:sym typeface="Calibri"/>
               </a:rPr>
-              <a:t>BannedUser</a:t>
+              <a:t>UserLogin</a:t>
             </a:r>
             <a:endParaRPr dirty="0">
               <a:solidFill>
@@ -5130,7 +5160,7 @@
         </p:nvSpPr>
         <p:spPr>
           <a:xfrm>
-            <a:off x="3559697" y="1519436"/>
+            <a:off x="3559697" y="1528580"/>
             <a:ext cx="597000" cy="394800"/>
           </a:xfrm>
           <a:prstGeom prst="diamond">
@@ -5179,8 +5209,8 @@
         </p:nvCxnSpPr>
         <p:spPr>
           <a:xfrm flipV="1">
-            <a:off x="2317570" y="1716836"/>
-            <a:ext cx="1242127" cy="470008"/>
+            <a:off x="2317570" y="1725980"/>
+            <a:ext cx="1242127" cy="460864"/>
           </a:xfrm>
           <a:prstGeom prst="straightConnector1">
             <a:avLst/>
@@ -5209,7 +5239,7 @@
         <p:spPr>
           <a:xfrm flipV="1">
             <a:off x="4156697" y="1295370"/>
-            <a:ext cx="650782" cy="421466"/>
+            <a:ext cx="650782" cy="430610"/>
           </a:xfrm>
           <a:prstGeom prst="straightConnector1">
             <a:avLst/>
@@ -5253,7 +5283,7 @@
           <a:p>
             <a:pPr algn="r"/>
             <a:r>
-              <a:rPr lang="es-419" sz="1600" dirty="0" err="1" smtClean="0">
+              <a:rPr lang="es-419" sz="1600" dirty="0" err="1">
                 <a:solidFill>
                   <a:schemeClr val="dk1"/>
                 </a:solidFill>
@@ -5262,7 +5292,31 @@
                 <a:cs typeface="Calibri"/>
                 <a:sym typeface="Calibri"/>
               </a:rPr>
-              <a:t>banning</a:t>
+              <a:t>l</a:t>
+            </a:r>
+            <a:r>
+              <a:rPr lang="es-419" sz="1600" dirty="0" err="1" smtClean="0">
+                <a:solidFill>
+                  <a:schemeClr val="dk1"/>
+                </a:solidFill>
+                <a:latin typeface="Calibri"/>
+                <a:ea typeface="Calibri"/>
+                <a:cs typeface="Calibri"/>
+                <a:sym typeface="Calibri"/>
+              </a:rPr>
+              <a:t>ogging</a:t>
+            </a:r>
+            <a:r>
+              <a:rPr lang="es-419" sz="1600" dirty="0" smtClean="0">
+                <a:solidFill>
+                  <a:schemeClr val="dk1"/>
+                </a:solidFill>
+                <a:latin typeface="Calibri"/>
+                <a:ea typeface="Calibri"/>
+                <a:cs typeface="Calibri"/>
+                <a:sym typeface="Calibri"/>
+              </a:rPr>
+              <a:t>-in</a:t>
             </a:r>
             <a:endParaRPr dirty="0"/>
           </a:p>
@@ -5971,7 +6025,21 @@
               </a:rPr>
               <a:t>ID</a:t>
             </a:r>
-            <a:endParaRPr b="1" u="sng" dirty="0">
+          </a:p>
+          <a:p>
+            <a:r>
+              <a:rPr lang="es-419" dirty="0" err="1" smtClean="0">
+                <a:solidFill>
+                  <a:schemeClr val="dk1"/>
+                </a:solidFill>
+                <a:latin typeface="Calibri"/>
+                <a:ea typeface="Calibri"/>
+                <a:cs typeface="Calibri"/>
+                <a:sym typeface="Calibri"/>
+              </a:rPr>
+              <a:t>datetime</a:t>
+            </a:r>
+            <a:endParaRPr dirty="0">
               <a:solidFill>
                 <a:schemeClr val="dk1"/>
               </a:solidFill>

--- a/MarketingProject.pptx
+++ b/MarketingProject.pptx
@@ -197,7 +197,7 @@
           <a:p>
             <a:fld id="{B88EB822-C65D-4F63-8844-3185A229456B}" type="datetimeFigureOut">
               <a:rPr lang="en-GB" smtClean="0"/>
-              <a:t>04/05/2021</a:t>
+              <a:t>19/05/2021</a:t>
             </a:fld>
             <a:endParaRPr lang="en-GB"/>
           </a:p>
@@ -705,7 +705,7 @@
           <a:p>
             <a:fld id="{88896631-C7E4-4635-9282-84EB17CD27B2}" type="datetimeFigureOut">
               <a:rPr lang="en-GB" smtClean="0"/>
-              <a:t>04/05/2021</a:t>
+              <a:t>19/05/2021</a:t>
             </a:fld>
             <a:endParaRPr lang="en-GB"/>
           </a:p>
@@ -875,7 +875,7 @@
           <a:p>
             <a:fld id="{88896631-C7E4-4635-9282-84EB17CD27B2}" type="datetimeFigureOut">
               <a:rPr lang="en-GB" smtClean="0"/>
-              <a:t>04/05/2021</a:t>
+              <a:t>19/05/2021</a:t>
             </a:fld>
             <a:endParaRPr lang="en-GB"/>
           </a:p>
@@ -1055,7 +1055,7 @@
           <a:p>
             <a:fld id="{88896631-C7E4-4635-9282-84EB17CD27B2}" type="datetimeFigureOut">
               <a:rPr lang="en-GB" smtClean="0"/>
-              <a:t>04/05/2021</a:t>
+              <a:t>19/05/2021</a:t>
             </a:fld>
             <a:endParaRPr lang="en-GB"/>
           </a:p>
@@ -1225,7 +1225,7 @@
           <a:p>
             <a:fld id="{88896631-C7E4-4635-9282-84EB17CD27B2}" type="datetimeFigureOut">
               <a:rPr lang="en-GB" smtClean="0"/>
-              <a:t>04/05/2021</a:t>
+              <a:t>19/05/2021</a:t>
             </a:fld>
             <a:endParaRPr lang="en-GB"/>
           </a:p>
@@ -1469,7 +1469,7 @@
           <a:p>
             <a:fld id="{88896631-C7E4-4635-9282-84EB17CD27B2}" type="datetimeFigureOut">
               <a:rPr lang="en-GB" smtClean="0"/>
-              <a:t>04/05/2021</a:t>
+              <a:t>19/05/2021</a:t>
             </a:fld>
             <a:endParaRPr lang="en-GB"/>
           </a:p>
@@ -1701,7 +1701,7 @@
           <a:p>
             <a:fld id="{88896631-C7E4-4635-9282-84EB17CD27B2}" type="datetimeFigureOut">
               <a:rPr lang="en-GB" smtClean="0"/>
-              <a:t>04/05/2021</a:t>
+              <a:t>19/05/2021</a:t>
             </a:fld>
             <a:endParaRPr lang="en-GB"/>
           </a:p>
@@ -2068,7 +2068,7 @@
           <a:p>
             <a:fld id="{88896631-C7E4-4635-9282-84EB17CD27B2}" type="datetimeFigureOut">
               <a:rPr lang="en-GB" smtClean="0"/>
-              <a:t>04/05/2021</a:t>
+              <a:t>19/05/2021</a:t>
             </a:fld>
             <a:endParaRPr lang="en-GB"/>
           </a:p>
@@ -2186,7 +2186,7 @@
           <a:p>
             <a:fld id="{88896631-C7E4-4635-9282-84EB17CD27B2}" type="datetimeFigureOut">
               <a:rPr lang="en-GB" smtClean="0"/>
-              <a:t>04/05/2021</a:t>
+              <a:t>19/05/2021</a:t>
             </a:fld>
             <a:endParaRPr lang="en-GB"/>
           </a:p>
@@ -2281,7 +2281,7 @@
           <a:p>
             <a:fld id="{88896631-C7E4-4635-9282-84EB17CD27B2}" type="datetimeFigureOut">
               <a:rPr lang="en-GB" smtClean="0"/>
-              <a:t>04/05/2021</a:t>
+              <a:t>19/05/2021</a:t>
             </a:fld>
             <a:endParaRPr lang="en-GB"/>
           </a:p>
@@ -2558,7 +2558,7 @@
           <a:p>
             <a:fld id="{88896631-C7E4-4635-9282-84EB17CD27B2}" type="datetimeFigureOut">
               <a:rPr lang="en-GB" smtClean="0"/>
-              <a:t>04/05/2021</a:t>
+              <a:t>19/05/2021</a:t>
             </a:fld>
             <a:endParaRPr lang="en-GB"/>
           </a:p>
@@ -2815,7 +2815,7 @@
           <a:p>
             <a:fld id="{88896631-C7E4-4635-9282-84EB17CD27B2}" type="datetimeFigureOut">
               <a:rPr lang="en-GB" smtClean="0"/>
-              <a:t>04/05/2021</a:t>
+              <a:t>19/05/2021</a:t>
             </a:fld>
             <a:endParaRPr lang="en-GB"/>
           </a:p>
@@ -3028,7 +3028,7 @@
           <a:p>
             <a:fld id="{88896631-C7E4-4635-9282-84EB17CD27B2}" type="datetimeFigureOut">
               <a:rPr lang="en-GB" smtClean="0"/>
-              <a:t>04/05/2021</a:t>
+              <a:t>19/05/2021</a:t>
             </a:fld>
             <a:endParaRPr lang="en-GB"/>
           </a:p>
@@ -3509,7 +3509,7 @@
                 <a:cs typeface="Calibri"/>
                 <a:sym typeface="Calibri"/>
               </a:rPr>
-              <a:t>Review</a:t>
+              <a:t>Answer</a:t>
             </a:r>
             <a:endParaRPr dirty="0">
               <a:solidFill>
@@ -3792,7 +3792,7 @@
           <a:p>
             <a:pPr algn="r"/>
             <a:r>
-              <a:rPr lang="es-CL" sz="1600" dirty="0" err="1">
+              <a:rPr lang="es-CL" sz="1600" dirty="0" err="1" smtClean="0">
                 <a:solidFill>
                   <a:schemeClr val="dk1"/>
                 </a:solidFill>
@@ -3801,19 +3801,7 @@
                 <a:cs typeface="Calibri"/>
                 <a:sym typeface="Calibri"/>
               </a:rPr>
-              <a:t>r</a:t>
-            </a:r>
-            <a:r>
-              <a:rPr lang="es-CL" sz="1600" dirty="0" err="1" smtClean="0">
-                <a:solidFill>
-                  <a:schemeClr val="dk1"/>
-                </a:solidFill>
-                <a:latin typeface="Calibri"/>
-                <a:ea typeface="Calibri"/>
-                <a:cs typeface="Calibri"/>
-                <a:sym typeface="Calibri"/>
-              </a:rPr>
-              <a:t>eview</a:t>
+              <a:t>answer</a:t>
             </a:r>
             <a:endParaRPr lang="es-CL" sz="1600" dirty="0" smtClean="0">
               <a:solidFill>
@@ -3825,10 +3813,35 @@
               <a:sym typeface="Calibri"/>
             </a:endParaRPr>
           </a:p>
-          <a:p>
-            <a:pPr algn="r"/>
-            <a:r>
-              <a:rPr lang="es-CL" sz="1600" dirty="0" smtClean="0">
+        </p:txBody>
+      </p:sp>
+      <p:sp>
+        <p:nvSpPr>
+          <p:cNvPr id="152" name="Google Shape;152;p28"/>
+          <p:cNvSpPr txBox="1"/>
+          <p:nvPr/>
+        </p:nvSpPr>
+        <p:spPr>
+          <a:xfrm>
+            <a:off x="7197992" y="5500508"/>
+            <a:ext cx="1485600" cy="753258"/>
+          </a:xfrm>
+          <a:prstGeom prst="rect">
+            <a:avLst/>
+          </a:prstGeom>
+          <a:noFill/>
+          <a:ln>
+            <a:noFill/>
+          </a:ln>
+        </p:spPr>
+        <p:txBody>
+          <a:bodyPr spcFirstLastPara="1" wrap="square" lIns="91425" tIns="45700" rIns="91425" bIns="45700" anchor="t" anchorCtr="0">
+            <a:noAutofit/>
+          </a:bodyPr>
+          <a:lstStyle/>
+          <a:p>
+            <a:r>
+              <a:rPr lang="es-419" b="1" u="sng" dirty="0">
                 <a:solidFill>
                   <a:schemeClr val="dk1"/>
                 </a:solidFill>
@@ -3837,7 +3850,114 @@
                 <a:cs typeface="Calibri"/>
                 <a:sym typeface="Calibri"/>
               </a:rPr>
-              <a:t>date</a:t>
+              <a:t>ID</a:t>
+            </a:r>
+            <a:endParaRPr b="1" u="sng" dirty="0">
+              <a:solidFill>
+                <a:schemeClr val="dk1"/>
+              </a:solidFill>
+              <a:latin typeface="Calibri"/>
+              <a:ea typeface="Calibri"/>
+              <a:cs typeface="Calibri"/>
+              <a:sym typeface="Calibri"/>
+            </a:endParaRPr>
+          </a:p>
+          <a:p>
+            <a:r>
+              <a:rPr lang="es-419" sz="1600" dirty="0" err="1">
+                <a:solidFill>
+                  <a:schemeClr val="dk1"/>
+                </a:solidFill>
+                <a:latin typeface="Calibri"/>
+                <a:ea typeface="Calibri"/>
+                <a:cs typeface="Calibri"/>
+                <a:sym typeface="Calibri"/>
+              </a:rPr>
+              <a:t>n</a:t>
+            </a:r>
+            <a:r>
+              <a:rPr lang="es-419" sz="1600" dirty="0" err="1" smtClean="0">
+                <a:solidFill>
+                  <a:schemeClr val="dk1"/>
+                </a:solidFill>
+                <a:latin typeface="Calibri"/>
+                <a:ea typeface="Calibri"/>
+                <a:cs typeface="Calibri"/>
+                <a:sym typeface="Calibri"/>
+              </a:rPr>
+              <a:t>ame</a:t>
+            </a:r>
+            <a:endParaRPr lang="es-419" sz="1600" dirty="0" smtClean="0">
+              <a:solidFill>
+                <a:schemeClr val="dk1"/>
+              </a:solidFill>
+              <a:latin typeface="Calibri"/>
+              <a:ea typeface="Calibri"/>
+              <a:cs typeface="Calibri"/>
+              <a:sym typeface="Calibri"/>
+            </a:endParaRPr>
+          </a:p>
+          <a:p>
+            <a:r>
+              <a:rPr lang="es-419" sz="1600" dirty="0" err="1" smtClean="0">
+                <a:solidFill>
+                  <a:schemeClr val="dk1"/>
+                </a:solidFill>
+                <a:latin typeface="Calibri"/>
+                <a:ea typeface="Calibri"/>
+                <a:cs typeface="Calibri"/>
+                <a:sym typeface="Calibri"/>
+              </a:rPr>
+              <a:t>brand</a:t>
+            </a:r>
+            <a:endParaRPr lang="es-419" sz="1600" dirty="0" smtClean="0">
+              <a:solidFill>
+                <a:schemeClr val="dk1"/>
+              </a:solidFill>
+              <a:latin typeface="Calibri"/>
+              <a:ea typeface="Calibri"/>
+              <a:cs typeface="Calibri"/>
+              <a:sym typeface="Calibri"/>
+            </a:endParaRPr>
+          </a:p>
+          <a:p>
+            <a:r>
+              <a:rPr lang="es-419" sz="1600" dirty="0">
+                <a:solidFill>
+                  <a:schemeClr val="dk1"/>
+                </a:solidFill>
+                <a:latin typeface="Calibri"/>
+                <a:ea typeface="Calibri"/>
+                <a:cs typeface="Calibri"/>
+                <a:sym typeface="Calibri"/>
+              </a:rPr>
+              <a:t>d</a:t>
+            </a:r>
+            <a:r>
+              <a:rPr lang="es-419" sz="1600" dirty="0" smtClean="0">
+                <a:solidFill>
+                  <a:schemeClr val="dk1"/>
+                </a:solidFill>
+                <a:latin typeface="Calibri"/>
+                <a:ea typeface="Calibri"/>
+                <a:cs typeface="Calibri"/>
+                <a:sym typeface="Calibri"/>
+              </a:rPr>
+              <a:t>ate</a:t>
+            </a:r>
+          </a:p>
+          <a:p>
+            <a:r>
+              <a:rPr lang="es-419" sz="1600" dirty="0" err="1" smtClean="0">
+                <a:solidFill>
+                  <a:schemeClr val="dk1"/>
+                </a:solidFill>
+                <a:latin typeface="Calibri"/>
+                <a:ea typeface="Calibri"/>
+                <a:cs typeface="Calibri"/>
+                <a:sym typeface="Calibri"/>
+              </a:rPr>
+              <a:t>image</a:t>
             </a:r>
             <a:endParaRPr sz="1600" dirty="0">
               <a:solidFill>
@@ -3853,143 +3973,13 @@
       </p:sp>
       <p:sp>
         <p:nvSpPr>
-          <p:cNvPr id="152" name="Google Shape;152;p28"/>
-          <p:cNvSpPr txBox="1"/>
-          <p:nvPr/>
-        </p:nvSpPr>
-        <p:spPr>
-          <a:xfrm>
-            <a:off x="7203098" y="5669629"/>
-            <a:ext cx="1485600" cy="753258"/>
-          </a:xfrm>
-          <a:prstGeom prst="rect">
-            <a:avLst/>
-          </a:prstGeom>
-          <a:noFill/>
-          <a:ln>
-            <a:noFill/>
-          </a:ln>
-        </p:spPr>
-        <p:txBody>
-          <a:bodyPr spcFirstLastPara="1" wrap="square" lIns="91425" tIns="45700" rIns="91425" bIns="45700" anchor="t" anchorCtr="0">
-            <a:noAutofit/>
-          </a:bodyPr>
-          <a:lstStyle/>
-          <a:p>
-            <a:r>
-              <a:rPr lang="es-419" b="1" u="sng" dirty="0">
-                <a:solidFill>
-                  <a:schemeClr val="dk1"/>
-                </a:solidFill>
-                <a:latin typeface="Calibri"/>
-                <a:ea typeface="Calibri"/>
-                <a:cs typeface="Calibri"/>
-                <a:sym typeface="Calibri"/>
-              </a:rPr>
-              <a:t>ID</a:t>
-            </a:r>
-            <a:endParaRPr b="1" u="sng" dirty="0">
-              <a:solidFill>
-                <a:schemeClr val="dk1"/>
-              </a:solidFill>
-              <a:latin typeface="Calibri"/>
-              <a:ea typeface="Calibri"/>
-              <a:cs typeface="Calibri"/>
-              <a:sym typeface="Calibri"/>
-            </a:endParaRPr>
-          </a:p>
-          <a:p>
-            <a:r>
-              <a:rPr lang="es-419" sz="1600" dirty="0" err="1">
-                <a:solidFill>
-                  <a:schemeClr val="dk1"/>
-                </a:solidFill>
-                <a:latin typeface="Calibri"/>
-                <a:ea typeface="Calibri"/>
-                <a:cs typeface="Calibri"/>
-                <a:sym typeface="Calibri"/>
-              </a:rPr>
-              <a:t>n</a:t>
-            </a:r>
-            <a:r>
-              <a:rPr lang="es-419" sz="1600" dirty="0" err="1" smtClean="0">
-                <a:solidFill>
-                  <a:schemeClr val="dk1"/>
-                </a:solidFill>
-                <a:latin typeface="Calibri"/>
-                <a:ea typeface="Calibri"/>
-                <a:cs typeface="Calibri"/>
-                <a:sym typeface="Calibri"/>
-              </a:rPr>
-              <a:t>ame</a:t>
-            </a:r>
-            <a:endParaRPr lang="es-419" sz="1600" dirty="0" smtClean="0">
-              <a:solidFill>
-                <a:schemeClr val="dk1"/>
-              </a:solidFill>
-              <a:latin typeface="Calibri"/>
-              <a:ea typeface="Calibri"/>
-              <a:cs typeface="Calibri"/>
-              <a:sym typeface="Calibri"/>
-            </a:endParaRPr>
-          </a:p>
-          <a:p>
-            <a:r>
-              <a:rPr lang="es-419" sz="1600" dirty="0" err="1" smtClean="0">
-                <a:solidFill>
-                  <a:schemeClr val="dk1"/>
-                </a:solidFill>
-                <a:latin typeface="Calibri"/>
-                <a:ea typeface="Calibri"/>
-                <a:cs typeface="Calibri"/>
-                <a:sym typeface="Calibri"/>
-              </a:rPr>
-              <a:t>brand</a:t>
-            </a:r>
-            <a:endParaRPr lang="es-419" sz="1600" dirty="0" smtClean="0">
-              <a:solidFill>
-                <a:schemeClr val="dk1"/>
-              </a:solidFill>
-              <a:latin typeface="Calibri"/>
-              <a:ea typeface="Calibri"/>
-              <a:cs typeface="Calibri"/>
-              <a:sym typeface="Calibri"/>
-            </a:endParaRPr>
-          </a:p>
-          <a:p>
-            <a:r>
-              <a:rPr lang="es-419" sz="1600" dirty="0" smtClean="0">
-                <a:solidFill>
-                  <a:schemeClr val="dk1"/>
-                </a:solidFill>
-                <a:latin typeface="Calibri"/>
-                <a:ea typeface="Calibri"/>
-                <a:cs typeface="Calibri"/>
-                <a:sym typeface="Calibri"/>
-              </a:rPr>
-              <a:t>date</a:t>
-            </a:r>
-            <a:endParaRPr sz="1600" dirty="0">
-              <a:solidFill>
-                <a:schemeClr val="dk1"/>
-              </a:solidFill>
-              <a:latin typeface="Calibri"/>
-              <a:ea typeface="Calibri"/>
-              <a:cs typeface="Calibri"/>
-              <a:sym typeface="Calibri"/>
-            </a:endParaRPr>
-          </a:p>
-        </p:txBody>
-      </p:sp>
-      <p:sp>
-        <p:nvSpPr>
           <p:cNvPr id="153" name="Google Shape;153;p28"/>
           <p:cNvSpPr/>
           <p:nvPr/>
         </p:nvSpPr>
         <p:spPr>
           <a:xfrm>
-            <a:off x="4911390" y="3425332"/>
+            <a:off x="4153977" y="3255246"/>
             <a:ext cx="1636050" cy="460741"/>
           </a:xfrm>
           <a:prstGeom prst="rect">
@@ -4074,19 +4064,7 @@
                 <a:cs typeface="Calibri"/>
                 <a:sym typeface="Calibri"/>
               </a:rPr>
-              <a:t>0</a:t>
-            </a:r>
-            <a:r>
-              <a:rPr lang="es-419" sz="1400" dirty="0" smtClean="0">
-                <a:solidFill>
-                  <a:schemeClr val="dk1"/>
-                </a:solidFill>
-                <a:latin typeface="Calibri"/>
-                <a:ea typeface="Calibri"/>
-                <a:cs typeface="Calibri"/>
-                <a:sym typeface="Calibri"/>
-              </a:rPr>
-              <a:t>:N</a:t>
+              <a:t>0:N</a:t>
             </a:r>
             <a:endParaRPr sz="1400" dirty="0">
               <a:solidFill>
@@ -4108,7 +4086,7 @@
         </p:nvSpPr>
         <p:spPr>
           <a:xfrm>
-            <a:off x="3989487" y="2333158"/>
+            <a:off x="3822892" y="2381219"/>
             <a:ext cx="1243020" cy="332323"/>
           </a:xfrm>
           <a:prstGeom prst="rect">
@@ -4150,7 +4128,7 @@
         </p:nvSpPr>
         <p:spPr>
           <a:xfrm>
-            <a:off x="3776485" y="2644024"/>
+            <a:off x="3571242" y="2609322"/>
             <a:ext cx="597000" cy="394800"/>
           </a:xfrm>
           <a:prstGeom prst="diamond">
@@ -4200,7 +4178,7 @@
         <p:spPr>
           <a:xfrm>
             <a:off x="2851720" y="2384244"/>
-            <a:ext cx="924765" cy="457180"/>
+            <a:ext cx="719522" cy="422478"/>
           </a:xfrm>
           <a:prstGeom prst="straightConnector1">
             <a:avLst/>
@@ -4228,8 +4206,8 @@
         </p:nvCxnSpPr>
         <p:spPr>
           <a:xfrm>
-            <a:off x="4373485" y="2841424"/>
-            <a:ext cx="1355930" cy="583908"/>
+            <a:off x="4168242" y="2806722"/>
+            <a:ext cx="803760" cy="448524"/>
           </a:xfrm>
           <a:prstGeom prst="straightConnector1">
             <a:avLst/>
@@ -4248,14 +4226,14 @@
       </p:cxnSp>
       <p:sp>
         <p:nvSpPr>
-          <p:cNvPr id="159" name="Google Shape;159;p28"/>
+          <p:cNvPr id="162" name="Google Shape;162;p28"/>
           <p:cNvSpPr txBox="1"/>
           <p:nvPr/>
         </p:nvSpPr>
         <p:spPr>
           <a:xfrm>
-            <a:off x="6552176" y="3845805"/>
-            <a:ext cx="184731" cy="692497"/>
+            <a:off x="6333941" y="5627955"/>
+            <a:ext cx="489372" cy="323484"/>
           </a:xfrm>
           <a:prstGeom prst="rect">
             <a:avLst/>
@@ -4269,9 +4247,72 @@
           <a:bodyPr spcFirstLastPara="1" wrap="square" lIns="91425" tIns="45700" rIns="91425" bIns="45700" anchor="t" anchorCtr="0">
             <a:noAutofit/>
           </a:bodyPr>
-          <a:lstStyle/>
-          <a:p>
-            <a:endParaRPr>
+          <a:lstStyle>
+            <a:defPPr>
+              <a:defRPr lang="en-US"/>
+            </a:defPPr>
+            <a:lvl1pPr>
+              <a:defRPr sz="1400">
+                <a:solidFill>
+                  <a:schemeClr val="dk1"/>
+                </a:solidFill>
+                <a:latin typeface="Calibri"/>
+                <a:ea typeface="Calibri"/>
+                <a:cs typeface="Calibri"/>
+              </a:defRPr>
+            </a:lvl1pPr>
+          </a:lstStyle>
+          <a:p>
+            <a:r>
+              <a:rPr lang="es-419" dirty="0" smtClean="0">
+                <a:sym typeface="Calibri"/>
+              </a:rPr>
+              <a:t>0:N</a:t>
+            </a:r>
+            <a:endParaRPr dirty="0">
+              <a:sym typeface="Calibri"/>
+            </a:endParaRPr>
+          </a:p>
+        </p:txBody>
+      </p:sp>
+      <p:sp>
+        <p:nvSpPr>
+          <p:cNvPr id="165" name="Google Shape;165;p28"/>
+          <p:cNvSpPr txBox="1"/>
+          <p:nvPr/>
+        </p:nvSpPr>
+        <p:spPr>
+          <a:xfrm>
+            <a:off x="4373485" y="1103981"/>
+            <a:ext cx="415500" cy="230700"/>
+          </a:xfrm>
+          <a:prstGeom prst="rect">
+            <a:avLst/>
+          </a:prstGeom>
+          <a:noFill/>
+          <a:ln>
+            <a:noFill/>
+          </a:ln>
+        </p:spPr>
+        <p:txBody>
+          <a:bodyPr spcFirstLastPara="1" wrap="square" lIns="91425" tIns="45700" rIns="91425" bIns="45700" anchor="t" anchorCtr="0">
+            <a:noAutofit/>
+          </a:bodyPr>
+          <a:lstStyle/>
+          <a:p>
+            <a:r>
+              <a:rPr lang="es-419" sz="1400" dirty="0" smtClean="0">
+                <a:solidFill>
+                  <a:schemeClr val="dk1"/>
+                </a:solidFill>
+                <a:latin typeface="Calibri"/>
+                <a:ea typeface="Calibri"/>
+                <a:cs typeface="Calibri"/>
+                <a:sym typeface="Calibri"/>
+              </a:rPr>
+              <a:t>1:1</a:t>
+            </a:r>
+            <a:endParaRPr sz="1400" dirty="0">
               <a:solidFill>
                 <a:schemeClr val="dk1"/>
               </a:solidFill>
@@ -4281,8 +4322,55 @@
               <a:sym typeface="Calibri"/>
             </a:endParaRPr>
           </a:p>
-          <a:p>
-            <a:endParaRPr>
+        </p:txBody>
+      </p:sp>
+      <p:sp>
+        <p:nvSpPr>
+          <p:cNvPr id="22" name="Google Shape;148;p28"/>
+          <p:cNvSpPr/>
+          <p:nvPr/>
+        </p:nvSpPr>
+        <p:spPr>
+          <a:xfrm>
+            <a:off x="1411797" y="6046371"/>
+            <a:ext cx="1175400" cy="371400"/>
+          </a:xfrm>
+          <a:prstGeom prst="rect">
+            <a:avLst/>
+          </a:prstGeom>
+          <a:solidFill>
+            <a:schemeClr val="lt1"/>
+          </a:solidFill>
+          <a:ln w="25400" cap="flat" cmpd="sng">
+            <a:solidFill>
+              <a:schemeClr val="accent1"/>
+            </a:solidFill>
+            <a:prstDash val="solid"/>
+            <a:round/>
+            <a:headEnd type="none" w="sm" len="sm"/>
+            <a:tailEnd type="none" w="sm" len="sm"/>
+          </a:ln>
+        </p:spPr>
+        <p:txBody>
+          <a:bodyPr spcFirstLastPara="1" wrap="square" lIns="91425" tIns="45700" rIns="91425" bIns="45700" anchor="ctr" anchorCtr="0">
+            <a:noAutofit/>
+          </a:bodyPr>
+          <a:lstStyle/>
+          <a:p>
+            <a:pPr algn="ctr"/>
+            <a:r>
+              <a:rPr lang="es-419" dirty="0" err="1" smtClean="0">
+                <a:solidFill>
+                  <a:schemeClr val="dk1"/>
+                </a:solidFill>
+                <a:latin typeface="Calibri"/>
+                <a:ea typeface="Calibri"/>
+                <a:cs typeface="Calibri"/>
+                <a:sym typeface="Calibri"/>
+              </a:rPr>
+              <a:t>BadWord</a:t>
+            </a:r>
+            <a:endParaRPr dirty="0">
               <a:solidFill>
                 <a:schemeClr val="dk1"/>
               </a:solidFill>
@@ -4292,8 +4380,46 @@
               <a:sym typeface="Calibri"/>
             </a:endParaRPr>
           </a:p>
-          <a:p>
-            <a:endParaRPr>
+        </p:txBody>
+      </p:sp>
+      <p:sp>
+        <p:nvSpPr>
+          <p:cNvPr id="32" name="Google Shape;152;p28"/>
+          <p:cNvSpPr txBox="1"/>
+          <p:nvPr/>
+        </p:nvSpPr>
+        <p:spPr>
+          <a:xfrm>
+            <a:off x="7574355" y="2317790"/>
+            <a:ext cx="1036473" cy="662164"/>
+          </a:xfrm>
+          <a:prstGeom prst="rect">
+            <a:avLst/>
+          </a:prstGeom>
+          <a:noFill/>
+          <a:ln>
+            <a:noFill/>
+          </a:ln>
+        </p:spPr>
+        <p:txBody>
+          <a:bodyPr spcFirstLastPara="1" wrap="square" lIns="91425" tIns="45700" rIns="91425" bIns="45700" anchor="t" anchorCtr="0">
+            <a:noAutofit/>
+          </a:bodyPr>
+          <a:lstStyle/>
+          <a:p>
+            <a:r>
+              <a:rPr lang="es-419" b="1" u="sng" dirty="0">
+                <a:solidFill>
+                  <a:schemeClr val="dk1"/>
+                </a:solidFill>
+                <a:latin typeface="Calibri"/>
+                <a:ea typeface="Calibri"/>
+                <a:cs typeface="Calibri"/>
+                <a:sym typeface="Calibri"/>
+              </a:rPr>
+              <a:t>ID</a:t>
+            </a:r>
+            <a:endParaRPr b="1" u="sng" dirty="0">
               <a:solidFill>
                 <a:schemeClr val="dk1"/>
               </a:solidFill>
@@ -4303,17 +4429,82 @@
               <a:sym typeface="Calibri"/>
             </a:endParaRPr>
           </a:p>
-        </p:txBody>
-      </p:sp>
-      <p:sp>
-        <p:nvSpPr>
-          <p:cNvPr id="160" name="Google Shape;160;p28"/>
+          <a:p>
+            <a:r>
+              <a:rPr lang="en-GB" sz="1600" dirty="0" smtClean="0">
+                <a:solidFill>
+                  <a:schemeClr val="dk1"/>
+                </a:solidFill>
+                <a:latin typeface="Calibri"/>
+                <a:ea typeface="Calibri"/>
+                <a:cs typeface="Calibri"/>
+                <a:sym typeface="Calibri"/>
+              </a:rPr>
+              <a:t>answer1</a:t>
+            </a:r>
+          </a:p>
+          <a:p>
+            <a:r>
+              <a:rPr lang="en-GB" sz="1600" dirty="0">
+                <a:solidFill>
+                  <a:schemeClr val="dk1"/>
+                </a:solidFill>
+                <a:latin typeface="Calibri"/>
+                <a:ea typeface="Calibri"/>
+                <a:cs typeface="Calibri"/>
+                <a:sym typeface="Calibri"/>
+              </a:rPr>
+              <a:t>a</a:t>
+            </a:r>
+            <a:r>
+              <a:rPr lang="en-GB" sz="1600" dirty="0" smtClean="0">
+                <a:solidFill>
+                  <a:schemeClr val="dk1"/>
+                </a:solidFill>
+                <a:latin typeface="Calibri"/>
+                <a:ea typeface="Calibri"/>
+                <a:cs typeface="Calibri"/>
+                <a:sym typeface="Calibri"/>
+              </a:rPr>
+              <a:t>nswer2</a:t>
+            </a:r>
+          </a:p>
+          <a:p>
+            <a:r>
+              <a:rPr lang="en-GB" sz="1600" dirty="0" smtClean="0">
+                <a:solidFill>
+                  <a:schemeClr val="dk1"/>
+                </a:solidFill>
+                <a:latin typeface="Calibri"/>
+                <a:ea typeface="Calibri"/>
+                <a:cs typeface="Calibri"/>
+                <a:sym typeface="Calibri"/>
+              </a:rPr>
+              <a:t>answer3</a:t>
+            </a:r>
+          </a:p>
+          <a:p>
+            <a:endParaRPr sz="1600" dirty="0">
+              <a:solidFill>
+                <a:schemeClr val="dk1"/>
+              </a:solidFill>
+              <a:latin typeface="Calibri"/>
+              <a:ea typeface="Calibri"/>
+              <a:cs typeface="Calibri"/>
+              <a:sym typeface="Calibri"/>
+            </a:endParaRPr>
+          </a:p>
+        </p:txBody>
+      </p:sp>
+      <p:sp>
+        <p:nvSpPr>
+          <p:cNvPr id="42" name="Google Shape;156;p28"/>
           <p:cNvSpPr/>
           <p:nvPr/>
         </p:nvSpPr>
         <p:spPr>
           <a:xfrm>
-            <a:off x="1867702" y="2931838"/>
+            <a:off x="1699378" y="4754312"/>
             <a:ext cx="597000" cy="394800"/>
           </a:xfrm>
           <a:prstGeom prst="diamond">
@@ -4353,17 +4544,17 @@
       </p:sp>
       <p:cxnSp>
         <p:nvCxnSpPr>
-          <p:cNvPr id="161" name="Google Shape;161;p28"/>
+          <p:cNvPr id="43" name="Google Shape;158;p28"/>
           <p:cNvCxnSpPr>
-            <a:stCxn id="160" idx="0"/>
-            <a:endCxn id="150" idx="2"/>
+            <a:stCxn id="42" idx="0"/>
+            <a:endCxn id="148" idx="2"/>
           </p:cNvCxnSpPr>
           <p:nvPr/>
         </p:nvCxnSpPr>
         <p:spPr>
           <a:xfrm flipV="1">
-            <a:off x="2166202" y="2581644"/>
-            <a:ext cx="151368" cy="350194"/>
+            <a:off x="1997878" y="4040855"/>
+            <a:ext cx="1619" cy="713457"/>
           </a:xfrm>
           <a:prstGeom prst="straightConnector1">
             <a:avLst/>
@@ -4380,16 +4571,45 @@
           </a:ln>
         </p:spPr>
       </p:cxnSp>
-      <p:sp>
-        <p:nvSpPr>
-          <p:cNvPr id="162" name="Google Shape;162;p28"/>
+      <p:cxnSp>
+        <p:nvCxnSpPr>
+          <p:cNvPr id="46" name="Google Shape;158;p28"/>
+          <p:cNvCxnSpPr>
+            <a:stCxn id="22" idx="0"/>
+            <a:endCxn id="42" idx="2"/>
+          </p:cNvCxnSpPr>
+          <p:nvPr/>
+        </p:nvCxnSpPr>
+        <p:spPr>
+          <a:xfrm flipH="1" flipV="1">
+            <a:off x="1997878" y="5149112"/>
+            <a:ext cx="1619" cy="897259"/>
+          </a:xfrm>
+          <a:prstGeom prst="straightConnector1">
+            <a:avLst/>
+          </a:prstGeom>
+          <a:noFill/>
+          <a:ln w="9525" cap="flat" cmpd="sng">
+            <a:solidFill>
+              <a:srgbClr val="4A7DBA"/>
+            </a:solidFill>
+            <a:prstDash val="solid"/>
+            <a:round/>
+            <a:headEnd type="none" w="sm" len="sm"/>
+            <a:tailEnd type="none" w="sm" len="sm"/>
+          </a:ln>
+        </p:spPr>
+      </p:cxnSp>
+      <p:sp>
+        <p:nvSpPr>
+          <p:cNvPr id="49" name="Google Shape;164;p28"/>
           <p:cNvSpPr txBox="1"/>
           <p:nvPr/>
         </p:nvSpPr>
         <p:spPr>
           <a:xfrm>
-            <a:off x="6333941" y="5627955"/>
-            <a:ext cx="489372" cy="323484"/>
+            <a:off x="1903542" y="4998812"/>
+            <a:ext cx="1094700" cy="253800"/>
           </a:xfrm>
           <a:prstGeom prst="rect">
             <a:avLst/>
@@ -4403,61 +4623,11 @@
           <a:bodyPr spcFirstLastPara="1" wrap="square" lIns="91425" tIns="45700" rIns="91425" bIns="45700" anchor="t" anchorCtr="0">
             <a:noAutofit/>
           </a:bodyPr>
-          <a:lstStyle>
-            <a:defPPr>
-              <a:defRPr lang="en-US"/>
-            </a:defPPr>
-            <a:lvl1pPr>
-              <a:defRPr sz="1400">
-                <a:solidFill>
-                  <a:schemeClr val="dk1"/>
-                </a:solidFill>
-                <a:latin typeface="Calibri"/>
-                <a:ea typeface="Calibri"/>
-                <a:cs typeface="Calibri"/>
-              </a:defRPr>
-            </a:lvl1pPr>
-          </a:lstStyle>
-          <a:p>
-            <a:r>
-              <a:rPr lang="es-419" dirty="0" smtClean="0">
-                <a:sym typeface="Calibri"/>
-              </a:rPr>
-              <a:t>0:N</a:t>
-            </a:r>
-            <a:endParaRPr dirty="0">
-              <a:sym typeface="Calibri"/>
-            </a:endParaRPr>
-          </a:p>
-        </p:txBody>
-      </p:sp>
-      <p:sp>
-        <p:nvSpPr>
-          <p:cNvPr id="163" name="Google Shape;163;p28"/>
-          <p:cNvSpPr txBox="1"/>
-          <p:nvPr/>
-        </p:nvSpPr>
-        <p:spPr>
-          <a:xfrm>
-            <a:off x="5338673" y="3871915"/>
-            <a:ext cx="513300" cy="276900"/>
-          </a:xfrm>
-          <a:prstGeom prst="rect">
-            <a:avLst/>
-          </a:prstGeom>
-          <a:noFill/>
-          <a:ln>
-            <a:noFill/>
-          </a:ln>
-        </p:spPr>
-        <p:txBody>
-          <a:bodyPr spcFirstLastPara="1" wrap="square" lIns="91425" tIns="45700" rIns="91425" bIns="45700" anchor="t" anchorCtr="0">
-            <a:noAutofit/>
-          </a:bodyPr>
-          <a:lstStyle/>
-          <a:p>
-            <a:r>
-              <a:rPr lang="es-419" sz="1600" dirty="0" smtClean="0">
+          <a:lstStyle/>
+          <a:p>
+            <a:pPr algn="ctr"/>
+            <a:r>
+              <a:rPr lang="es-CL" sz="1600" dirty="0" err="1">
                 <a:solidFill>
                   <a:schemeClr val="dk1"/>
                 </a:solidFill>
@@ -4466,7 +4636,19 @@
                 <a:cs typeface="Calibri"/>
                 <a:sym typeface="Calibri"/>
               </a:rPr>
-              <a:t>1:1</a:t>
+              <a:t>c</a:t>
+            </a:r>
+            <a:r>
+              <a:rPr lang="es-CL" sz="1600" dirty="0" err="1" smtClean="0">
+                <a:solidFill>
+                  <a:schemeClr val="dk1"/>
+                </a:solidFill>
+                <a:latin typeface="Calibri"/>
+                <a:ea typeface="Calibri"/>
+                <a:cs typeface="Calibri"/>
+                <a:sym typeface="Calibri"/>
+              </a:rPr>
+              <a:t>hecking</a:t>
             </a:r>
             <a:endParaRPr sz="1600" dirty="0">
               <a:solidFill>
@@ -4482,113 +4664,14 @@
       </p:sp>
       <p:sp>
         <p:nvSpPr>
-          <p:cNvPr id="164" name="Google Shape;164;p28"/>
-          <p:cNvSpPr txBox="1"/>
-          <p:nvPr/>
-        </p:nvSpPr>
-        <p:spPr>
-          <a:xfrm>
-            <a:off x="2326365" y="2965728"/>
-            <a:ext cx="1094700" cy="253800"/>
-          </a:xfrm>
-          <a:prstGeom prst="rect">
-            <a:avLst/>
-          </a:prstGeom>
-          <a:noFill/>
-          <a:ln>
-            <a:noFill/>
-          </a:ln>
-        </p:spPr>
-        <p:txBody>
-          <a:bodyPr spcFirstLastPara="1" wrap="square" lIns="91425" tIns="45700" rIns="91425" bIns="45700" anchor="t" anchorCtr="0">
-            <a:noAutofit/>
-          </a:bodyPr>
-          <a:lstStyle/>
-          <a:p>
-            <a:pPr algn="r"/>
-            <a:r>
-              <a:rPr lang="es-419" sz="1600" dirty="0" err="1" smtClean="0">
-                <a:solidFill>
-                  <a:schemeClr val="dk1"/>
-                </a:solidFill>
-                <a:latin typeface="Calibri"/>
-                <a:ea typeface="Calibri"/>
-                <a:cs typeface="Calibri"/>
-                <a:sym typeface="Calibri"/>
-              </a:rPr>
-              <a:t>reviewing</a:t>
-            </a:r>
-            <a:endParaRPr sz="1600" dirty="0">
-              <a:solidFill>
-                <a:schemeClr val="dk1"/>
-              </a:solidFill>
-              <a:latin typeface="Calibri"/>
-              <a:ea typeface="Calibri"/>
-              <a:cs typeface="Calibri"/>
-              <a:sym typeface="Calibri"/>
-            </a:endParaRPr>
-          </a:p>
-        </p:txBody>
-      </p:sp>
-      <p:sp>
-        <p:nvSpPr>
-          <p:cNvPr id="165" name="Google Shape;165;p28"/>
-          <p:cNvSpPr txBox="1"/>
-          <p:nvPr/>
-        </p:nvSpPr>
-        <p:spPr>
-          <a:xfrm>
-            <a:off x="4373485" y="1103981"/>
-            <a:ext cx="415500" cy="230700"/>
-          </a:xfrm>
-          <a:prstGeom prst="rect">
-            <a:avLst/>
-          </a:prstGeom>
-          <a:noFill/>
-          <a:ln>
-            <a:noFill/>
-          </a:ln>
-        </p:spPr>
-        <p:txBody>
-          <a:bodyPr spcFirstLastPara="1" wrap="square" lIns="91425" tIns="45700" rIns="91425" bIns="45700" anchor="t" anchorCtr="0">
-            <a:noAutofit/>
-          </a:bodyPr>
-          <a:lstStyle/>
-          <a:p>
-            <a:r>
-              <a:rPr lang="es-419" sz="1400" dirty="0" smtClean="0">
-                <a:solidFill>
-                  <a:schemeClr val="dk1"/>
-                </a:solidFill>
-                <a:latin typeface="Calibri"/>
-                <a:ea typeface="Calibri"/>
-                <a:cs typeface="Calibri"/>
-                <a:sym typeface="Calibri"/>
-              </a:rPr>
-              <a:t>1:1</a:t>
-            </a:r>
-            <a:endParaRPr sz="1400" dirty="0">
-              <a:solidFill>
-                <a:schemeClr val="dk1"/>
-              </a:solidFill>
-              <a:latin typeface="Calibri"/>
-              <a:ea typeface="Calibri"/>
-              <a:cs typeface="Calibri"/>
-              <a:sym typeface="Calibri"/>
-            </a:endParaRPr>
-          </a:p>
-        </p:txBody>
-      </p:sp>
-      <p:sp>
-        <p:nvSpPr>
-          <p:cNvPr id="22" name="Google Shape;148;p28"/>
+          <p:cNvPr id="50" name="Google Shape;153;p28"/>
           <p:cNvSpPr/>
           <p:nvPr/>
         </p:nvSpPr>
         <p:spPr>
           <a:xfrm>
-            <a:off x="1411797" y="6046371"/>
-            <a:ext cx="1175400" cy="371400"/>
+            <a:off x="4807479" y="1064999"/>
+            <a:ext cx="1636050" cy="460741"/>
           </a:xfrm>
           <a:prstGeom prst="rect">
             <a:avLst/>
@@ -4614,7 +4697,7 @@
           <a:p>
             <a:pPr algn="ctr"/>
             <a:r>
-              <a:rPr lang="es-419" dirty="0" err="1" smtClean="0">
+              <a:rPr lang="es-CL" dirty="0" err="1" smtClean="0">
                 <a:solidFill>
                   <a:schemeClr val="dk1"/>
                 </a:solidFill>
@@ -4623,7 +4706,7 @@
                 <a:cs typeface="Calibri"/>
                 <a:sym typeface="Calibri"/>
               </a:rPr>
-              <a:t>BadWord</a:t>
+              <a:t>UserLogin</a:t>
             </a:r>
             <a:endParaRPr dirty="0">
               <a:solidFill>
@@ -4639,304 +4722,13 @@
       </p:sp>
       <p:sp>
         <p:nvSpPr>
-          <p:cNvPr id="26" name="Google Shape;165;p28"/>
-          <p:cNvSpPr txBox="1"/>
-          <p:nvPr/>
-        </p:nvSpPr>
-        <p:spPr>
-          <a:xfrm>
-            <a:off x="5376549" y="2952513"/>
-            <a:ext cx="474151" cy="267015"/>
-          </a:xfrm>
-          <a:prstGeom prst="rect">
-            <a:avLst/>
-          </a:prstGeom>
-          <a:noFill/>
-          <a:ln>
-            <a:noFill/>
-          </a:ln>
-        </p:spPr>
-        <p:txBody>
-          <a:bodyPr spcFirstLastPara="1" wrap="square" lIns="91425" tIns="45700" rIns="91425" bIns="45700" anchor="t" anchorCtr="0">
-            <a:noAutofit/>
-          </a:bodyPr>
-          <a:lstStyle/>
-          <a:p>
-            <a:r>
-              <a:rPr lang="es-419" sz="1400" dirty="0" smtClean="0">
-                <a:solidFill>
-                  <a:schemeClr val="dk1"/>
-                </a:solidFill>
-                <a:latin typeface="Calibri"/>
-                <a:ea typeface="Calibri"/>
-                <a:cs typeface="Calibri"/>
-                <a:sym typeface="Calibri"/>
-              </a:rPr>
-              <a:t>1:1</a:t>
-            </a:r>
-            <a:endParaRPr sz="1400" dirty="0">
-              <a:solidFill>
-                <a:schemeClr val="dk1"/>
-              </a:solidFill>
-              <a:latin typeface="Calibri"/>
-              <a:ea typeface="Calibri"/>
-              <a:cs typeface="Calibri"/>
-              <a:sym typeface="Calibri"/>
-            </a:endParaRPr>
-          </a:p>
-        </p:txBody>
-      </p:sp>
-      <p:sp>
-        <p:nvSpPr>
-          <p:cNvPr id="31" name="Google Shape;154;p28"/>
-          <p:cNvSpPr txBox="1"/>
-          <p:nvPr/>
-        </p:nvSpPr>
-        <p:spPr>
-          <a:xfrm>
-            <a:off x="2555768" y="3637765"/>
-            <a:ext cx="567000" cy="231000"/>
-          </a:xfrm>
-          <a:prstGeom prst="rect">
-            <a:avLst/>
-          </a:prstGeom>
-          <a:noFill/>
-          <a:ln>
-            <a:noFill/>
-          </a:ln>
-        </p:spPr>
-        <p:txBody>
-          <a:bodyPr spcFirstLastPara="1" wrap="square" lIns="91425" tIns="45700" rIns="91425" bIns="45700" anchor="t" anchorCtr="0">
-            <a:noAutofit/>
-          </a:bodyPr>
-          <a:lstStyle/>
-          <a:p>
-            <a:r>
-              <a:rPr lang="es-419" sz="1400" dirty="0" smtClean="0">
-                <a:solidFill>
-                  <a:schemeClr val="dk1"/>
-                </a:solidFill>
-                <a:latin typeface="Calibri"/>
-                <a:ea typeface="Calibri"/>
-                <a:cs typeface="Calibri"/>
-                <a:sym typeface="Calibri"/>
-              </a:rPr>
-              <a:t>1:1</a:t>
-            </a:r>
-            <a:endParaRPr sz="1400" dirty="0">
-              <a:solidFill>
-                <a:schemeClr val="dk1"/>
-              </a:solidFill>
-              <a:latin typeface="Calibri"/>
-              <a:ea typeface="Calibri"/>
-              <a:cs typeface="Calibri"/>
-              <a:sym typeface="Calibri"/>
-            </a:endParaRPr>
-          </a:p>
-        </p:txBody>
-      </p:sp>
-      <p:sp>
-        <p:nvSpPr>
-          <p:cNvPr id="32" name="Google Shape;152;p28"/>
-          <p:cNvSpPr txBox="1"/>
-          <p:nvPr/>
-        </p:nvSpPr>
-        <p:spPr>
-          <a:xfrm>
-            <a:off x="6566045" y="2828116"/>
-            <a:ext cx="1036473" cy="662164"/>
-          </a:xfrm>
-          <a:prstGeom prst="rect">
-            <a:avLst/>
-          </a:prstGeom>
-          <a:noFill/>
-          <a:ln>
-            <a:noFill/>
-          </a:ln>
-        </p:spPr>
-        <p:txBody>
-          <a:bodyPr spcFirstLastPara="1" wrap="square" lIns="91425" tIns="45700" rIns="91425" bIns="45700" anchor="t" anchorCtr="0">
-            <a:noAutofit/>
-          </a:bodyPr>
-          <a:lstStyle/>
-          <a:p>
-            <a:r>
-              <a:rPr lang="es-419" b="1" u="sng" dirty="0">
-                <a:solidFill>
-                  <a:schemeClr val="dk1"/>
-                </a:solidFill>
-                <a:latin typeface="Calibri"/>
-                <a:ea typeface="Calibri"/>
-                <a:cs typeface="Calibri"/>
-                <a:sym typeface="Calibri"/>
-              </a:rPr>
-              <a:t>ID</a:t>
-            </a:r>
-            <a:endParaRPr b="1" u="sng" dirty="0">
-              <a:solidFill>
-                <a:schemeClr val="dk1"/>
-              </a:solidFill>
-              <a:latin typeface="Calibri"/>
-              <a:ea typeface="Calibri"/>
-              <a:cs typeface="Calibri"/>
-              <a:sym typeface="Calibri"/>
-            </a:endParaRPr>
-          </a:p>
-          <a:p>
-            <a:r>
-              <a:rPr lang="en-GB" sz="1600" dirty="0" smtClean="0">
-                <a:solidFill>
-                  <a:schemeClr val="dk1"/>
-                </a:solidFill>
-                <a:latin typeface="Calibri"/>
-                <a:ea typeface="Calibri"/>
-                <a:cs typeface="Calibri"/>
-                <a:sym typeface="Calibri"/>
-              </a:rPr>
-              <a:t>answer1</a:t>
-            </a:r>
-          </a:p>
-          <a:p>
-            <a:r>
-              <a:rPr lang="en-GB" sz="1600" dirty="0">
-                <a:solidFill>
-                  <a:schemeClr val="dk1"/>
-                </a:solidFill>
-                <a:latin typeface="Calibri"/>
-                <a:ea typeface="Calibri"/>
-                <a:cs typeface="Calibri"/>
-                <a:sym typeface="Calibri"/>
-              </a:rPr>
-              <a:t>a</a:t>
-            </a:r>
-            <a:r>
-              <a:rPr lang="en-GB" sz="1600" dirty="0" smtClean="0">
-                <a:solidFill>
-                  <a:schemeClr val="dk1"/>
-                </a:solidFill>
-                <a:latin typeface="Calibri"/>
-                <a:ea typeface="Calibri"/>
-                <a:cs typeface="Calibri"/>
-                <a:sym typeface="Calibri"/>
-              </a:rPr>
-              <a:t>nswer2</a:t>
-            </a:r>
-          </a:p>
-          <a:p>
-            <a:r>
-              <a:rPr lang="en-GB" sz="1600" dirty="0" smtClean="0">
-                <a:solidFill>
-                  <a:schemeClr val="dk1"/>
-                </a:solidFill>
-                <a:latin typeface="Calibri"/>
-                <a:ea typeface="Calibri"/>
-                <a:cs typeface="Calibri"/>
-                <a:sym typeface="Calibri"/>
-              </a:rPr>
-              <a:t>answer3</a:t>
-            </a:r>
-          </a:p>
-          <a:p>
-            <a:endParaRPr sz="1600" dirty="0">
-              <a:solidFill>
-                <a:schemeClr val="dk1"/>
-              </a:solidFill>
-              <a:latin typeface="Calibri"/>
-              <a:ea typeface="Calibri"/>
-              <a:cs typeface="Calibri"/>
-              <a:sym typeface="Calibri"/>
-            </a:endParaRPr>
-          </a:p>
-        </p:txBody>
-      </p:sp>
-      <p:sp>
-        <p:nvSpPr>
-          <p:cNvPr id="29" name="Google Shape;164;p28"/>
-          <p:cNvSpPr txBox="1"/>
-          <p:nvPr/>
-        </p:nvSpPr>
-        <p:spPr>
-          <a:xfrm>
-            <a:off x="3887116" y="4113474"/>
-            <a:ext cx="1094700" cy="253800"/>
-          </a:xfrm>
-          <a:prstGeom prst="rect">
-            <a:avLst/>
-          </a:prstGeom>
-          <a:noFill/>
-          <a:ln>
-            <a:noFill/>
-          </a:ln>
-        </p:spPr>
-        <p:txBody>
-          <a:bodyPr spcFirstLastPara="1" wrap="square" lIns="91425" tIns="45700" rIns="91425" bIns="45700" anchor="t" anchorCtr="0">
-            <a:noAutofit/>
-          </a:bodyPr>
-          <a:lstStyle/>
-          <a:p>
-            <a:pPr algn="ctr"/>
-            <a:r>
-              <a:rPr lang="es-CL" sz="1600" dirty="0" err="1" smtClean="0">
-                <a:solidFill>
-                  <a:schemeClr val="dk1"/>
-                </a:solidFill>
-                <a:latin typeface="Calibri"/>
-                <a:ea typeface="Calibri"/>
-                <a:cs typeface="Calibri"/>
-                <a:sym typeface="Calibri"/>
-              </a:rPr>
-              <a:t>relating</a:t>
-            </a:r>
-            <a:endParaRPr sz="1600" dirty="0">
-              <a:solidFill>
-                <a:schemeClr val="dk1"/>
-              </a:solidFill>
-              <a:latin typeface="Calibri"/>
-              <a:ea typeface="Calibri"/>
-              <a:cs typeface="Calibri"/>
-              <a:sym typeface="Calibri"/>
-            </a:endParaRPr>
-          </a:p>
-        </p:txBody>
-      </p:sp>
-      <p:cxnSp>
-        <p:nvCxnSpPr>
-          <p:cNvPr id="39" name="Google Shape;161;p28"/>
-          <p:cNvCxnSpPr>
-            <a:stCxn id="148" idx="0"/>
-            <a:endCxn id="160" idx="2"/>
-          </p:cNvCxnSpPr>
-          <p:nvPr/>
-        </p:nvCxnSpPr>
-        <p:spPr>
-          <a:xfrm flipV="1">
-            <a:off x="1999497" y="3326638"/>
-            <a:ext cx="166705" cy="342817"/>
-          </a:xfrm>
-          <a:prstGeom prst="straightConnector1">
-            <a:avLst/>
-          </a:prstGeom>
-          <a:noFill/>
-          <a:ln w="9525" cap="flat" cmpd="sng">
-            <a:solidFill>
-              <a:srgbClr val="4A7DBA"/>
-            </a:solidFill>
-            <a:prstDash val="solid"/>
-            <a:round/>
-            <a:headEnd type="none" w="sm" len="sm"/>
-            <a:tailEnd type="none" w="sm" len="sm"/>
-          </a:ln>
-        </p:spPr>
-      </p:cxnSp>
-      <p:sp>
-        <p:nvSpPr>
-          <p:cNvPr id="42" name="Google Shape;156;p28"/>
+          <p:cNvPr id="51" name="Google Shape;156;p28"/>
           <p:cNvSpPr/>
           <p:nvPr/>
         </p:nvSpPr>
         <p:spPr>
           <a:xfrm>
-            <a:off x="1699378" y="4754312"/>
+            <a:off x="3559697" y="1528580"/>
             <a:ext cx="597000" cy="394800"/>
           </a:xfrm>
           <a:prstGeom prst="diamond">
@@ -4976,17 +4768,17 @@
       </p:sp>
       <p:cxnSp>
         <p:nvCxnSpPr>
-          <p:cNvPr id="43" name="Google Shape;158;p28"/>
+          <p:cNvPr id="52" name="Google Shape;157;p28"/>
           <p:cNvCxnSpPr>
-            <a:stCxn id="42" idx="0"/>
-            <a:endCxn id="148" idx="2"/>
+            <a:stCxn id="150" idx="0"/>
+            <a:endCxn id="51" idx="1"/>
           </p:cNvCxnSpPr>
           <p:nvPr/>
         </p:nvCxnSpPr>
         <p:spPr>
           <a:xfrm flipV="1">
-            <a:off x="1997878" y="4040855"/>
-            <a:ext cx="1619" cy="713457"/>
+            <a:off x="2317570" y="1725980"/>
+            <a:ext cx="1242127" cy="460864"/>
           </a:xfrm>
           <a:prstGeom prst="straightConnector1">
             <a:avLst/>
@@ -5005,17 +4797,17 @@
       </p:cxnSp>
       <p:cxnSp>
         <p:nvCxnSpPr>
-          <p:cNvPr id="46" name="Google Shape;158;p28"/>
+          <p:cNvPr id="53" name="Google Shape;158;p28"/>
           <p:cNvCxnSpPr>
-            <a:stCxn id="22" idx="0"/>
-            <a:endCxn id="42" idx="2"/>
+            <a:stCxn id="51" idx="3"/>
+            <a:endCxn id="50" idx="1"/>
           </p:cNvCxnSpPr>
           <p:nvPr/>
         </p:nvCxnSpPr>
         <p:spPr>
-          <a:xfrm flipH="1" flipV="1">
-            <a:off x="1997878" y="5149112"/>
-            <a:ext cx="1619" cy="897259"/>
+          <a:xfrm flipV="1">
+            <a:off x="4156697" y="1295370"/>
+            <a:ext cx="650782" cy="430610"/>
           </a:xfrm>
           <a:prstGeom prst="straightConnector1">
             <a:avLst/>
@@ -5034,14 +4826,14 @@
       </p:cxnSp>
       <p:sp>
         <p:nvSpPr>
-          <p:cNvPr id="49" name="Google Shape;164;p28"/>
+          <p:cNvPr id="60" name="Google Shape;155;p28"/>
           <p:cNvSpPr txBox="1"/>
           <p:nvPr/>
         </p:nvSpPr>
         <p:spPr>
           <a:xfrm>
-            <a:off x="1903542" y="4998812"/>
-            <a:ext cx="1094700" cy="253800"/>
+            <a:off x="2491958" y="1277403"/>
+            <a:ext cx="1243020" cy="332323"/>
           </a:xfrm>
           <a:prstGeom prst="rect">
             <a:avLst/>
@@ -5057,9 +4849,9 @@
           </a:bodyPr>
           <a:lstStyle/>
           <a:p>
-            <a:pPr algn="ctr"/>
-            <a:r>
-              <a:rPr lang="es-CL" sz="1600" dirty="0" err="1">
+            <a:pPr algn="r"/>
+            <a:r>
+              <a:rPr lang="es-419" sz="1600" dirty="0" err="1">
                 <a:solidFill>
                   <a:schemeClr val="dk1"/>
                 </a:solidFill>
@@ -5068,10 +4860,10 @@
                 <a:cs typeface="Calibri"/>
                 <a:sym typeface="Calibri"/>
               </a:rPr>
-              <a:t>c</a:t>
-            </a:r>
-            <a:r>
-              <a:rPr lang="es-CL" sz="1600" dirty="0" err="1" smtClean="0">
+              <a:t>l</a:t>
+            </a:r>
+            <a:r>
+              <a:rPr lang="es-419" sz="1600" dirty="0" err="1" smtClean="0">
                 <a:solidFill>
                   <a:schemeClr val="dk1"/>
                 </a:solidFill>
@@ -5080,30 +4872,34 @@
                 <a:cs typeface="Calibri"/>
                 <a:sym typeface="Calibri"/>
               </a:rPr>
-              <a:t>hecking</a:t>
-            </a:r>
-            <a:endParaRPr sz="1600" dirty="0">
-              <a:solidFill>
-                <a:schemeClr val="dk1"/>
-              </a:solidFill>
-              <a:latin typeface="Calibri"/>
-              <a:ea typeface="Calibri"/>
-              <a:cs typeface="Calibri"/>
-              <a:sym typeface="Calibri"/>
-            </a:endParaRPr>
-          </a:p>
-        </p:txBody>
-      </p:sp>
-      <p:sp>
-        <p:nvSpPr>
-          <p:cNvPr id="50" name="Google Shape;153;p28"/>
+              <a:t>ogging</a:t>
+            </a:r>
+            <a:r>
+              <a:rPr lang="es-419" sz="1600" dirty="0" smtClean="0">
+                <a:solidFill>
+                  <a:schemeClr val="dk1"/>
+                </a:solidFill>
+                <a:latin typeface="Calibri"/>
+                <a:ea typeface="Calibri"/>
+                <a:cs typeface="Calibri"/>
+                <a:sym typeface="Calibri"/>
+              </a:rPr>
+              <a:t>-in</a:t>
+            </a:r>
+            <a:endParaRPr dirty="0"/>
+          </a:p>
+        </p:txBody>
+      </p:sp>
+      <p:sp>
+        <p:nvSpPr>
+          <p:cNvPr id="47" name="Google Shape;148;p28"/>
           <p:cNvSpPr/>
           <p:nvPr/>
         </p:nvSpPr>
         <p:spPr>
           <a:xfrm>
-            <a:off x="4807479" y="1064999"/>
-            <a:ext cx="1636050" cy="460741"/>
+            <a:off x="5855829" y="6015751"/>
+            <a:ext cx="1175400" cy="371400"/>
           </a:xfrm>
           <a:prstGeom prst="rect">
             <a:avLst/>
@@ -5138,7 +4934,7 @@
                 <a:cs typeface="Calibri"/>
                 <a:sym typeface="Calibri"/>
               </a:rPr>
-              <a:t>UserLogin</a:t>
+              <a:t>Product</a:t>
             </a:r>
             <a:endParaRPr dirty="0">
               <a:solidFill>
@@ -5154,13 +4950,13 @@
       </p:sp>
       <p:sp>
         <p:nvSpPr>
-          <p:cNvPr id="51" name="Google Shape;156;p28"/>
+          <p:cNvPr id="98" name="Google Shape;156;p28"/>
           <p:cNvSpPr/>
           <p:nvPr/>
         </p:nvSpPr>
         <p:spPr>
           <a:xfrm>
-            <a:off x="3559697" y="1528580"/>
+            <a:off x="4832366" y="5983820"/>
             <a:ext cx="597000" cy="394800"/>
           </a:xfrm>
           <a:prstGeom prst="diamond">
@@ -5200,17 +4996,17 @@
       </p:sp>
       <p:cxnSp>
         <p:nvCxnSpPr>
-          <p:cNvPr id="52" name="Google Shape;157;p28"/>
+          <p:cNvPr id="99" name="Google Shape;158;p28"/>
           <p:cNvCxnSpPr>
-            <a:stCxn id="150" idx="0"/>
-            <a:endCxn id="51" idx="1"/>
+            <a:stCxn id="98" idx="3"/>
+            <a:endCxn id="47" idx="1"/>
           </p:cNvCxnSpPr>
           <p:nvPr/>
         </p:nvCxnSpPr>
         <p:spPr>
-          <a:xfrm flipV="1">
-            <a:off x="2317570" y="1725980"/>
-            <a:ext cx="1242127" cy="460864"/>
+          <a:xfrm>
+            <a:off x="5429366" y="6181220"/>
+            <a:ext cx="426463" cy="20231"/>
           </a:xfrm>
           <a:prstGeom prst="straightConnector1">
             <a:avLst/>
@@ -5229,17 +5025,17 @@
       </p:cxnSp>
       <p:cxnSp>
         <p:nvCxnSpPr>
-          <p:cNvPr id="53" name="Google Shape;158;p28"/>
+          <p:cNvPr id="100" name="Google Shape;157;p28"/>
           <p:cNvCxnSpPr>
-            <a:stCxn id="51" idx="3"/>
-            <a:endCxn id="50" idx="1"/>
+            <a:stCxn id="98" idx="1"/>
+            <a:endCxn id="108" idx="3"/>
           </p:cNvCxnSpPr>
           <p:nvPr/>
         </p:nvCxnSpPr>
         <p:spPr>
-          <a:xfrm flipV="1">
-            <a:off x="4156697" y="1295370"/>
-            <a:ext cx="650782" cy="430610"/>
+          <a:xfrm flipH="1" flipV="1">
+            <a:off x="4418024" y="6015751"/>
+            <a:ext cx="414342" cy="165469"/>
           </a:xfrm>
           <a:prstGeom prst="straightConnector1">
             <a:avLst/>
@@ -5258,79 +5054,13 @@
       </p:cxnSp>
       <p:sp>
         <p:nvSpPr>
-          <p:cNvPr id="60" name="Google Shape;155;p28"/>
-          <p:cNvSpPr txBox="1"/>
-          <p:nvPr/>
-        </p:nvSpPr>
-        <p:spPr>
-          <a:xfrm>
-            <a:off x="2491958" y="1277403"/>
-            <a:ext cx="1243020" cy="332323"/>
-          </a:xfrm>
-          <a:prstGeom prst="rect">
-            <a:avLst/>
-          </a:prstGeom>
-          <a:noFill/>
-          <a:ln>
-            <a:noFill/>
-          </a:ln>
-        </p:spPr>
-        <p:txBody>
-          <a:bodyPr spcFirstLastPara="1" wrap="square" lIns="91425" tIns="45700" rIns="91425" bIns="45700" anchor="t" anchorCtr="0">
-            <a:noAutofit/>
-          </a:bodyPr>
-          <a:lstStyle/>
-          <a:p>
-            <a:pPr algn="r"/>
-            <a:r>
-              <a:rPr lang="es-419" sz="1600" dirty="0" err="1">
-                <a:solidFill>
-                  <a:schemeClr val="dk1"/>
-                </a:solidFill>
-                <a:latin typeface="Calibri"/>
-                <a:ea typeface="Calibri"/>
-                <a:cs typeface="Calibri"/>
-                <a:sym typeface="Calibri"/>
-              </a:rPr>
-              <a:t>l</a:t>
-            </a:r>
-            <a:r>
-              <a:rPr lang="es-419" sz="1600" dirty="0" err="1" smtClean="0">
-                <a:solidFill>
-                  <a:schemeClr val="dk1"/>
-                </a:solidFill>
-                <a:latin typeface="Calibri"/>
-                <a:ea typeface="Calibri"/>
-                <a:cs typeface="Calibri"/>
-                <a:sym typeface="Calibri"/>
-              </a:rPr>
-              <a:t>ogging</a:t>
-            </a:r>
-            <a:r>
-              <a:rPr lang="es-419" sz="1600" dirty="0" smtClean="0">
-                <a:solidFill>
-                  <a:schemeClr val="dk1"/>
-                </a:solidFill>
-                <a:latin typeface="Calibri"/>
-                <a:ea typeface="Calibri"/>
-                <a:cs typeface="Calibri"/>
-                <a:sym typeface="Calibri"/>
-              </a:rPr>
-              <a:t>-in</a:t>
-            </a:r>
-            <a:endParaRPr dirty="0"/>
-          </a:p>
-        </p:txBody>
-      </p:sp>
-      <p:sp>
-        <p:nvSpPr>
-          <p:cNvPr id="47" name="Google Shape;148;p28"/>
+          <p:cNvPr id="108" name="Google Shape;148;p28"/>
           <p:cNvSpPr/>
           <p:nvPr/>
         </p:nvSpPr>
         <p:spPr>
           <a:xfrm>
-            <a:off x="5855829" y="6015751"/>
+            <a:off x="3242624" y="5830051"/>
             <a:ext cx="1175400" cy="371400"/>
           </a:xfrm>
           <a:prstGeom prst="rect">
@@ -5366,7 +5096,7 @@
                 <a:cs typeface="Calibri"/>
                 <a:sym typeface="Calibri"/>
               </a:rPr>
-              <a:t>Product</a:t>
+              <a:t>Question</a:t>
             </a:r>
             <a:endParaRPr dirty="0">
               <a:solidFill>
@@ -5382,13 +5112,558 @@
       </p:sp>
       <p:sp>
         <p:nvSpPr>
-          <p:cNvPr id="54" name="Google Shape;156;p28"/>
+          <p:cNvPr id="125" name="Google Shape;164;p28"/>
+          <p:cNvSpPr txBox="1"/>
+          <p:nvPr/>
+        </p:nvSpPr>
+        <p:spPr>
+          <a:xfrm>
+            <a:off x="4215763" y="6327721"/>
+            <a:ext cx="1512477" cy="237783"/>
+          </a:xfrm>
+          <a:prstGeom prst="rect">
+            <a:avLst/>
+          </a:prstGeom>
+          <a:noFill/>
+          <a:ln>
+            <a:noFill/>
+          </a:ln>
+        </p:spPr>
+        <p:txBody>
+          <a:bodyPr spcFirstLastPara="1" wrap="square" lIns="91425" tIns="45700" rIns="91425" bIns="45700" anchor="t" anchorCtr="0">
+            <a:noAutofit/>
+          </a:bodyPr>
+          <a:lstStyle/>
+          <a:p>
+            <a:pPr algn="ctr"/>
+            <a:r>
+              <a:rPr lang="es-CL" sz="1600" dirty="0" err="1" smtClean="0">
+                <a:solidFill>
+                  <a:schemeClr val="dk1"/>
+                </a:solidFill>
+                <a:latin typeface="Calibri"/>
+                <a:ea typeface="Calibri"/>
+                <a:cs typeface="Calibri"/>
+                <a:sym typeface="Calibri"/>
+              </a:rPr>
+              <a:t>corresponding</a:t>
+            </a:r>
+            <a:endParaRPr sz="1600" dirty="0">
+              <a:solidFill>
+                <a:schemeClr val="dk1"/>
+              </a:solidFill>
+              <a:latin typeface="Calibri"/>
+              <a:ea typeface="Calibri"/>
+              <a:cs typeface="Calibri"/>
+              <a:sym typeface="Calibri"/>
+            </a:endParaRPr>
+          </a:p>
+        </p:txBody>
+      </p:sp>
+      <p:sp>
+        <p:nvSpPr>
+          <p:cNvPr id="192" name="Google Shape;151;p28"/>
+          <p:cNvSpPr txBox="1"/>
+          <p:nvPr/>
+        </p:nvSpPr>
+        <p:spPr>
+          <a:xfrm>
+            <a:off x="360618" y="5879607"/>
+            <a:ext cx="970159" cy="704928"/>
+          </a:xfrm>
+          <a:prstGeom prst="rect">
+            <a:avLst/>
+          </a:prstGeom>
+          <a:noFill/>
+          <a:ln>
+            <a:noFill/>
+          </a:ln>
+        </p:spPr>
+        <p:txBody>
+          <a:bodyPr spcFirstLastPara="1" wrap="square" lIns="91425" tIns="45700" rIns="91425" bIns="45700" anchor="t" anchorCtr="0">
+            <a:noAutofit/>
+          </a:bodyPr>
+          <a:lstStyle/>
+          <a:p>
+            <a:pPr algn="r"/>
+            <a:r>
+              <a:rPr lang="es-419" b="1" u="sng" dirty="0">
+                <a:solidFill>
+                  <a:schemeClr val="dk1"/>
+                </a:solidFill>
+                <a:latin typeface="Calibri"/>
+                <a:ea typeface="Calibri"/>
+                <a:cs typeface="Calibri"/>
+                <a:sym typeface="Calibri"/>
+              </a:rPr>
+              <a:t>ID</a:t>
+            </a:r>
+            <a:endParaRPr b="1" u="sng" dirty="0"/>
+          </a:p>
+          <a:p>
+            <a:pPr algn="r"/>
+            <a:r>
+              <a:rPr lang="es-CL" sz="1600" dirty="0" err="1" smtClean="0">
+                <a:solidFill>
+                  <a:schemeClr val="dk1"/>
+                </a:solidFill>
+                <a:latin typeface="Calibri"/>
+                <a:ea typeface="Calibri"/>
+                <a:cs typeface="Calibri"/>
+                <a:sym typeface="Calibri"/>
+              </a:rPr>
+              <a:t>badword</a:t>
+            </a:r>
+            <a:endParaRPr sz="1600" dirty="0">
+              <a:solidFill>
+                <a:schemeClr val="dk1"/>
+              </a:solidFill>
+              <a:latin typeface="Calibri"/>
+              <a:ea typeface="Calibri"/>
+              <a:cs typeface="Calibri"/>
+              <a:sym typeface="Calibri"/>
+            </a:endParaRPr>
+          </a:p>
+        </p:txBody>
+      </p:sp>
+      <p:sp>
+        <p:nvSpPr>
+          <p:cNvPr id="193" name="Google Shape;152;p28"/>
+          <p:cNvSpPr txBox="1"/>
+          <p:nvPr/>
+        </p:nvSpPr>
+        <p:spPr>
+          <a:xfrm>
+            <a:off x="3173868" y="6206369"/>
+            <a:ext cx="1199617" cy="662164"/>
+          </a:xfrm>
+          <a:prstGeom prst="rect">
+            <a:avLst/>
+          </a:prstGeom>
+          <a:noFill/>
+          <a:ln>
+            <a:noFill/>
+          </a:ln>
+        </p:spPr>
+        <p:txBody>
+          <a:bodyPr spcFirstLastPara="1" wrap="square" lIns="91425" tIns="45700" rIns="91425" bIns="45700" anchor="t" anchorCtr="0">
+            <a:noAutofit/>
+          </a:bodyPr>
+          <a:lstStyle/>
+          <a:p>
+            <a:r>
+              <a:rPr lang="es-419" b="1" u="sng" dirty="0">
+                <a:solidFill>
+                  <a:schemeClr val="dk1"/>
+                </a:solidFill>
+                <a:latin typeface="Calibri"/>
+                <a:ea typeface="Calibri"/>
+                <a:cs typeface="Calibri"/>
+                <a:sym typeface="Calibri"/>
+              </a:rPr>
+              <a:t>ID</a:t>
+            </a:r>
+            <a:endParaRPr b="1" u="sng" dirty="0">
+              <a:solidFill>
+                <a:schemeClr val="dk1"/>
+              </a:solidFill>
+              <a:latin typeface="Calibri"/>
+              <a:ea typeface="Calibri"/>
+              <a:cs typeface="Calibri"/>
+              <a:sym typeface="Calibri"/>
+            </a:endParaRPr>
+          </a:p>
+          <a:p>
+            <a:r>
+              <a:rPr lang="en-GB" sz="1600" dirty="0" smtClean="0">
+                <a:solidFill>
+                  <a:schemeClr val="dk1"/>
+                </a:solidFill>
+                <a:latin typeface="Calibri"/>
+                <a:ea typeface="Calibri"/>
+                <a:cs typeface="Calibri"/>
+                <a:sym typeface="Calibri"/>
+              </a:rPr>
+              <a:t>question</a:t>
+            </a:r>
+            <a:endParaRPr sz="1600" dirty="0">
+              <a:solidFill>
+                <a:schemeClr val="dk1"/>
+              </a:solidFill>
+              <a:latin typeface="Calibri"/>
+              <a:ea typeface="Calibri"/>
+              <a:cs typeface="Calibri"/>
+              <a:sym typeface="Calibri"/>
+            </a:endParaRPr>
+          </a:p>
+        </p:txBody>
+      </p:sp>
+      <p:sp>
+        <p:nvSpPr>
+          <p:cNvPr id="194" name="Google Shape;152;p28"/>
+          <p:cNvSpPr txBox="1"/>
+          <p:nvPr/>
+        </p:nvSpPr>
+        <p:spPr>
+          <a:xfrm>
+            <a:off x="6536932" y="738301"/>
+            <a:ext cx="1199617" cy="662164"/>
+          </a:xfrm>
+          <a:prstGeom prst="rect">
+            <a:avLst/>
+          </a:prstGeom>
+          <a:noFill/>
+          <a:ln>
+            <a:noFill/>
+          </a:ln>
+        </p:spPr>
+        <p:txBody>
+          <a:bodyPr spcFirstLastPara="1" wrap="square" lIns="91425" tIns="45700" rIns="91425" bIns="45700" anchor="t" anchorCtr="0">
+            <a:noAutofit/>
+          </a:bodyPr>
+          <a:lstStyle/>
+          <a:p>
+            <a:r>
+              <a:rPr lang="es-419" b="1" u="sng" dirty="0" smtClean="0">
+                <a:solidFill>
+                  <a:schemeClr val="dk1"/>
+                </a:solidFill>
+                <a:latin typeface="Calibri"/>
+                <a:ea typeface="Calibri"/>
+                <a:cs typeface="Calibri"/>
+                <a:sym typeface="Calibri"/>
+              </a:rPr>
+              <a:t>ID</a:t>
+            </a:r>
+          </a:p>
+          <a:p>
+            <a:r>
+              <a:rPr lang="es-419" dirty="0" err="1" smtClean="0">
+                <a:solidFill>
+                  <a:schemeClr val="dk1"/>
+                </a:solidFill>
+                <a:latin typeface="Calibri"/>
+                <a:ea typeface="Calibri"/>
+                <a:cs typeface="Calibri"/>
+                <a:sym typeface="Calibri"/>
+              </a:rPr>
+              <a:t>datetime</a:t>
+            </a:r>
+            <a:endParaRPr dirty="0">
+              <a:solidFill>
+                <a:schemeClr val="dk1"/>
+              </a:solidFill>
+              <a:latin typeface="Calibri"/>
+              <a:ea typeface="Calibri"/>
+              <a:cs typeface="Calibri"/>
+              <a:sym typeface="Calibri"/>
+            </a:endParaRPr>
+          </a:p>
+        </p:txBody>
+      </p:sp>
+      <p:sp>
+        <p:nvSpPr>
+          <p:cNvPr id="57" name="Google Shape;154;p28"/>
+          <p:cNvSpPr txBox="1"/>
+          <p:nvPr/>
+        </p:nvSpPr>
+        <p:spPr>
+          <a:xfrm>
+            <a:off x="4811207" y="2910798"/>
+            <a:ext cx="567000" cy="231000"/>
+          </a:xfrm>
+          <a:prstGeom prst="rect">
+            <a:avLst/>
+          </a:prstGeom>
+          <a:noFill/>
+          <a:ln>
+            <a:noFill/>
+          </a:ln>
+        </p:spPr>
+        <p:txBody>
+          <a:bodyPr spcFirstLastPara="1" wrap="square" lIns="91425" tIns="45700" rIns="91425" bIns="45700" anchor="t" anchorCtr="0">
+            <a:noAutofit/>
+          </a:bodyPr>
+          <a:lstStyle/>
+          <a:p>
+            <a:r>
+              <a:rPr lang="es-419" sz="1400" dirty="0" smtClean="0">
+                <a:solidFill>
+                  <a:schemeClr val="dk1"/>
+                </a:solidFill>
+                <a:latin typeface="Calibri"/>
+                <a:ea typeface="Calibri"/>
+                <a:cs typeface="Calibri"/>
+                <a:sym typeface="Calibri"/>
+              </a:rPr>
+              <a:t>1:1</a:t>
+            </a:r>
+            <a:endParaRPr sz="1400" dirty="0">
+              <a:solidFill>
+                <a:schemeClr val="dk1"/>
+              </a:solidFill>
+              <a:latin typeface="Calibri"/>
+              <a:ea typeface="Calibri"/>
+              <a:cs typeface="Calibri"/>
+              <a:sym typeface="Calibri"/>
+            </a:endParaRPr>
+          </a:p>
+        </p:txBody>
+      </p:sp>
+      <p:sp>
+        <p:nvSpPr>
+          <p:cNvPr id="59" name="Google Shape;154;p28"/>
+          <p:cNvSpPr txBox="1"/>
+          <p:nvPr/>
+        </p:nvSpPr>
+        <p:spPr>
+          <a:xfrm>
+            <a:off x="1578172" y="4047605"/>
+            <a:ext cx="567000" cy="231000"/>
+          </a:xfrm>
+          <a:prstGeom prst="rect">
+            <a:avLst/>
+          </a:prstGeom>
+          <a:noFill/>
+          <a:ln>
+            <a:noFill/>
+          </a:ln>
+        </p:spPr>
+        <p:txBody>
+          <a:bodyPr spcFirstLastPara="1" wrap="square" lIns="91425" tIns="45700" rIns="91425" bIns="45700" anchor="t" anchorCtr="0">
+            <a:noAutofit/>
+          </a:bodyPr>
+          <a:lstStyle/>
+          <a:p>
+            <a:r>
+              <a:rPr lang="es-419" sz="1400" dirty="0" smtClean="0">
+                <a:solidFill>
+                  <a:schemeClr val="dk1"/>
+                </a:solidFill>
+                <a:latin typeface="Calibri"/>
+                <a:ea typeface="Calibri"/>
+                <a:cs typeface="Calibri"/>
+                <a:sym typeface="Calibri"/>
+              </a:rPr>
+              <a:t>0:N</a:t>
+            </a:r>
+            <a:endParaRPr sz="1400" dirty="0">
+              <a:solidFill>
+                <a:schemeClr val="dk1"/>
+              </a:solidFill>
+              <a:latin typeface="Calibri"/>
+              <a:ea typeface="Calibri"/>
+              <a:cs typeface="Calibri"/>
+              <a:sym typeface="Calibri"/>
+            </a:endParaRPr>
+          </a:p>
+        </p:txBody>
+      </p:sp>
+      <p:sp>
+        <p:nvSpPr>
+          <p:cNvPr id="61" name="Google Shape;154;p28"/>
+          <p:cNvSpPr txBox="1"/>
+          <p:nvPr/>
+        </p:nvSpPr>
+        <p:spPr>
+          <a:xfrm>
+            <a:off x="1599202" y="5714551"/>
+            <a:ext cx="567000" cy="231000"/>
+          </a:xfrm>
+          <a:prstGeom prst="rect">
+            <a:avLst/>
+          </a:prstGeom>
+          <a:noFill/>
+          <a:ln>
+            <a:noFill/>
+          </a:ln>
+        </p:spPr>
+        <p:txBody>
+          <a:bodyPr spcFirstLastPara="1" wrap="square" lIns="91425" tIns="45700" rIns="91425" bIns="45700" anchor="t" anchorCtr="0">
+            <a:noAutofit/>
+          </a:bodyPr>
+          <a:lstStyle/>
+          <a:p>
+            <a:r>
+              <a:rPr lang="es-419" sz="1400" dirty="0" smtClean="0">
+                <a:solidFill>
+                  <a:schemeClr val="dk1"/>
+                </a:solidFill>
+                <a:latin typeface="Calibri"/>
+                <a:ea typeface="Calibri"/>
+                <a:cs typeface="Calibri"/>
+                <a:sym typeface="Calibri"/>
+              </a:rPr>
+              <a:t>0:N</a:t>
+            </a:r>
+            <a:endParaRPr sz="1400" dirty="0">
+              <a:solidFill>
+                <a:schemeClr val="dk1"/>
+              </a:solidFill>
+              <a:latin typeface="Calibri"/>
+              <a:ea typeface="Calibri"/>
+              <a:cs typeface="Calibri"/>
+              <a:sym typeface="Calibri"/>
+            </a:endParaRPr>
+          </a:p>
+        </p:txBody>
+      </p:sp>
+      <p:sp>
+        <p:nvSpPr>
+          <p:cNvPr id="62" name="Google Shape;154;p28"/>
+          <p:cNvSpPr txBox="1"/>
+          <p:nvPr/>
+        </p:nvSpPr>
+        <p:spPr>
+          <a:xfrm>
+            <a:off x="5429366" y="5937671"/>
+            <a:ext cx="567000" cy="231000"/>
+          </a:xfrm>
+          <a:prstGeom prst="rect">
+            <a:avLst/>
+          </a:prstGeom>
+          <a:noFill/>
+          <a:ln>
+            <a:noFill/>
+          </a:ln>
+        </p:spPr>
+        <p:txBody>
+          <a:bodyPr spcFirstLastPara="1" wrap="square" lIns="91425" tIns="45700" rIns="91425" bIns="45700" anchor="t" anchorCtr="0">
+            <a:noAutofit/>
+          </a:bodyPr>
+          <a:lstStyle/>
+          <a:p>
+            <a:r>
+              <a:rPr lang="es-419" sz="1400" dirty="0" smtClean="0">
+                <a:solidFill>
+                  <a:schemeClr val="dk1"/>
+                </a:solidFill>
+                <a:latin typeface="Calibri"/>
+                <a:ea typeface="Calibri"/>
+                <a:cs typeface="Calibri"/>
+                <a:sym typeface="Calibri"/>
+              </a:rPr>
+              <a:t>0:N</a:t>
+            </a:r>
+            <a:endParaRPr sz="1400" dirty="0">
+              <a:solidFill>
+                <a:schemeClr val="dk1"/>
+              </a:solidFill>
+              <a:latin typeface="Calibri"/>
+              <a:ea typeface="Calibri"/>
+              <a:cs typeface="Calibri"/>
+              <a:sym typeface="Calibri"/>
+            </a:endParaRPr>
+          </a:p>
+        </p:txBody>
+      </p:sp>
+      <p:sp>
+        <p:nvSpPr>
+          <p:cNvPr id="63" name="Google Shape;154;p28"/>
+          <p:cNvSpPr txBox="1"/>
+          <p:nvPr/>
+        </p:nvSpPr>
+        <p:spPr>
+          <a:xfrm>
+            <a:off x="4385823" y="5747902"/>
+            <a:ext cx="567000" cy="231000"/>
+          </a:xfrm>
+          <a:prstGeom prst="rect">
+            <a:avLst/>
+          </a:prstGeom>
+          <a:noFill/>
+          <a:ln>
+            <a:noFill/>
+          </a:ln>
+        </p:spPr>
+        <p:txBody>
+          <a:bodyPr spcFirstLastPara="1" wrap="square" lIns="91425" tIns="45700" rIns="91425" bIns="45700" anchor="t" anchorCtr="0">
+            <a:noAutofit/>
+          </a:bodyPr>
+          <a:lstStyle/>
+          <a:p>
+            <a:r>
+              <a:rPr lang="es-419" sz="1400" dirty="0" smtClean="0">
+                <a:solidFill>
+                  <a:schemeClr val="dk1"/>
+                </a:solidFill>
+                <a:latin typeface="Calibri"/>
+                <a:ea typeface="Calibri"/>
+                <a:cs typeface="Calibri"/>
+                <a:sym typeface="Calibri"/>
+              </a:rPr>
+              <a:t>1:1</a:t>
+            </a:r>
+            <a:endParaRPr sz="1400" dirty="0">
+              <a:solidFill>
+                <a:schemeClr val="dk1"/>
+              </a:solidFill>
+              <a:latin typeface="Calibri"/>
+              <a:ea typeface="Calibri"/>
+              <a:cs typeface="Calibri"/>
+              <a:sym typeface="Calibri"/>
+            </a:endParaRPr>
+          </a:p>
+        </p:txBody>
+      </p:sp>
+      <p:sp>
+        <p:nvSpPr>
+          <p:cNvPr id="65" name="Google Shape;165;p28"/>
+          <p:cNvSpPr txBox="1"/>
+          <p:nvPr/>
+        </p:nvSpPr>
+        <p:spPr>
+          <a:xfrm>
+            <a:off x="2886358" y="2150483"/>
+            <a:ext cx="474151" cy="267015"/>
+          </a:xfrm>
+          <a:prstGeom prst="rect">
+            <a:avLst/>
+          </a:prstGeom>
+          <a:noFill/>
+          <a:ln>
+            <a:noFill/>
+          </a:ln>
+        </p:spPr>
+        <p:txBody>
+          <a:bodyPr spcFirstLastPara="1" wrap="square" lIns="91425" tIns="45700" rIns="91425" bIns="45700" anchor="t" anchorCtr="0">
+            <a:noAutofit/>
+          </a:bodyPr>
+          <a:lstStyle/>
+          <a:p>
+            <a:r>
+              <a:rPr lang="es-419" sz="1400" dirty="0" smtClean="0">
+                <a:solidFill>
+                  <a:schemeClr val="dk1"/>
+                </a:solidFill>
+                <a:latin typeface="Calibri"/>
+                <a:ea typeface="Calibri"/>
+                <a:cs typeface="Calibri"/>
+                <a:sym typeface="Calibri"/>
+              </a:rPr>
+              <a:t>0:N</a:t>
+            </a:r>
+            <a:endParaRPr sz="1400" dirty="0">
+              <a:solidFill>
+                <a:schemeClr val="dk1"/>
+              </a:solidFill>
+              <a:latin typeface="Calibri"/>
+              <a:ea typeface="Calibri"/>
+              <a:cs typeface="Calibri"/>
+              <a:sym typeface="Calibri"/>
+            </a:endParaRPr>
+          </a:p>
+        </p:txBody>
+      </p:sp>
+      <p:sp>
+        <p:nvSpPr>
+          <p:cNvPr id="66" name="Google Shape;156;p28"/>
           <p:cNvSpPr/>
           <p:nvPr/>
         </p:nvSpPr>
         <p:spPr>
           <a:xfrm>
-            <a:off x="3788823" y="4515549"/>
+            <a:off x="3013660" y="4788787"/>
             <a:ext cx="597000" cy="394800"/>
           </a:xfrm>
           <a:prstGeom prst="diamond">
@@ -5428,17 +5703,17 @@
       </p:sp>
       <p:cxnSp>
         <p:nvCxnSpPr>
-          <p:cNvPr id="55" name="Google Shape;158;p28"/>
+          <p:cNvPr id="67" name="Google Shape;158;p28"/>
           <p:cNvCxnSpPr>
-            <a:stCxn id="54" idx="0"/>
-            <a:endCxn id="148" idx="3"/>
+            <a:stCxn id="66" idx="0"/>
+            <a:endCxn id="148" idx="2"/>
           </p:cNvCxnSpPr>
           <p:nvPr/>
         </p:nvCxnSpPr>
         <p:spPr>
           <a:xfrm flipH="1" flipV="1">
-            <a:off x="2587197" y="3855155"/>
-            <a:ext cx="1500126" cy="660394"/>
+            <a:off x="1999497" y="4040855"/>
+            <a:ext cx="1312663" cy="747932"/>
           </a:xfrm>
           <a:prstGeom prst="straightConnector1">
             <a:avLst/>
@@ -5457,17 +5732,17 @@
       </p:cxnSp>
       <p:cxnSp>
         <p:nvCxnSpPr>
-          <p:cNvPr id="56" name="Google Shape;157;p28"/>
+          <p:cNvPr id="68" name="Google Shape;157;p28"/>
           <p:cNvCxnSpPr>
-            <a:stCxn id="54" idx="3"/>
-            <a:endCxn id="47" idx="0"/>
+            <a:stCxn id="66" idx="2"/>
+            <a:endCxn id="108" idx="0"/>
           </p:cNvCxnSpPr>
           <p:nvPr/>
         </p:nvCxnSpPr>
         <p:spPr>
           <a:xfrm>
-            <a:off x="4385823" y="4712949"/>
-            <a:ext cx="2057706" cy="1302802"/>
+            <a:off x="3312160" y="5183587"/>
+            <a:ext cx="518164" cy="646464"/>
           </a:xfrm>
           <a:prstGeom prst="straightConnector1">
             <a:avLst/>
@@ -5486,13 +5761,219 @@
       </p:cxnSp>
       <p:sp>
         <p:nvSpPr>
-          <p:cNvPr id="98" name="Google Shape;156;p28"/>
+          <p:cNvPr id="72" name="Google Shape;164;p28"/>
+          <p:cNvSpPr txBox="1"/>
+          <p:nvPr/>
+        </p:nvSpPr>
+        <p:spPr>
+          <a:xfrm>
+            <a:off x="3352871" y="5018670"/>
+            <a:ext cx="1094700" cy="294738"/>
+          </a:xfrm>
+          <a:prstGeom prst="rect">
+            <a:avLst/>
+          </a:prstGeom>
+          <a:noFill/>
+          <a:ln>
+            <a:noFill/>
+          </a:ln>
+        </p:spPr>
+        <p:txBody>
+          <a:bodyPr spcFirstLastPara="1" wrap="square" lIns="91425" tIns="45700" rIns="91425" bIns="45700" anchor="t" anchorCtr="0">
+            <a:noAutofit/>
+          </a:bodyPr>
+          <a:lstStyle/>
+          <a:p>
+            <a:pPr algn="ctr"/>
+            <a:r>
+              <a:rPr lang="es-CL" sz="1600" dirty="0" err="1" smtClean="0">
+                <a:solidFill>
+                  <a:schemeClr val="dk1"/>
+                </a:solidFill>
+                <a:latin typeface="Calibri"/>
+                <a:ea typeface="Calibri"/>
+                <a:cs typeface="Calibri"/>
+                <a:sym typeface="Calibri"/>
+              </a:rPr>
+              <a:t>answering</a:t>
+            </a:r>
+            <a:endParaRPr sz="1600" dirty="0">
+              <a:solidFill>
+                <a:schemeClr val="dk1"/>
+              </a:solidFill>
+              <a:latin typeface="Calibri"/>
+              <a:ea typeface="Calibri"/>
+              <a:cs typeface="Calibri"/>
+              <a:sym typeface="Calibri"/>
+            </a:endParaRPr>
+          </a:p>
+        </p:txBody>
+      </p:sp>
+      <p:sp>
+        <p:nvSpPr>
+          <p:cNvPr id="73" name="Google Shape;154;p28"/>
+          <p:cNvSpPr txBox="1"/>
+          <p:nvPr/>
+        </p:nvSpPr>
+        <p:spPr>
+          <a:xfrm>
+            <a:off x="3772705" y="5538331"/>
+            <a:ext cx="567000" cy="231000"/>
+          </a:xfrm>
+          <a:prstGeom prst="rect">
+            <a:avLst/>
+          </a:prstGeom>
+          <a:noFill/>
+          <a:ln>
+            <a:noFill/>
+          </a:ln>
+        </p:spPr>
+        <p:txBody>
+          <a:bodyPr spcFirstLastPara="1" wrap="square" lIns="91425" tIns="45700" rIns="91425" bIns="45700" anchor="t" anchorCtr="0">
+            <a:noAutofit/>
+          </a:bodyPr>
+          <a:lstStyle/>
+          <a:p>
+            <a:r>
+              <a:rPr lang="es-419" sz="1400" dirty="0" smtClean="0">
+                <a:solidFill>
+                  <a:schemeClr val="dk1"/>
+                </a:solidFill>
+                <a:latin typeface="Calibri"/>
+                <a:ea typeface="Calibri"/>
+                <a:cs typeface="Calibri"/>
+                <a:sym typeface="Calibri"/>
+              </a:rPr>
+              <a:t>0:N</a:t>
+            </a:r>
+            <a:endParaRPr sz="1400" dirty="0">
+              <a:solidFill>
+                <a:schemeClr val="dk1"/>
+              </a:solidFill>
+              <a:latin typeface="Calibri"/>
+              <a:ea typeface="Calibri"/>
+              <a:cs typeface="Calibri"/>
+              <a:sym typeface="Calibri"/>
+            </a:endParaRPr>
+          </a:p>
+        </p:txBody>
+      </p:sp>
+      <p:sp>
+        <p:nvSpPr>
+          <p:cNvPr id="74" name="Google Shape;154;p28"/>
+          <p:cNvSpPr txBox="1"/>
+          <p:nvPr/>
+        </p:nvSpPr>
+        <p:spPr>
+          <a:xfrm>
+            <a:off x="2335126" y="4058125"/>
+            <a:ext cx="567000" cy="231000"/>
+          </a:xfrm>
+          <a:prstGeom prst="rect">
+            <a:avLst/>
+          </a:prstGeom>
+          <a:noFill/>
+          <a:ln>
+            <a:noFill/>
+          </a:ln>
+        </p:spPr>
+        <p:txBody>
+          <a:bodyPr spcFirstLastPara="1" wrap="square" lIns="91425" tIns="45700" rIns="91425" bIns="45700" anchor="t" anchorCtr="0">
+            <a:noAutofit/>
+          </a:bodyPr>
+          <a:lstStyle/>
+          <a:p>
+            <a:r>
+              <a:rPr lang="es-419" sz="1400" dirty="0" smtClean="0">
+                <a:solidFill>
+                  <a:schemeClr val="dk1"/>
+                </a:solidFill>
+                <a:latin typeface="Calibri"/>
+                <a:ea typeface="Calibri"/>
+                <a:cs typeface="Calibri"/>
+                <a:sym typeface="Calibri"/>
+              </a:rPr>
+              <a:t>1:1</a:t>
+            </a:r>
+            <a:endParaRPr sz="1400" dirty="0">
+              <a:solidFill>
+                <a:schemeClr val="dk1"/>
+              </a:solidFill>
+              <a:latin typeface="Calibri"/>
+              <a:ea typeface="Calibri"/>
+              <a:cs typeface="Calibri"/>
+              <a:sym typeface="Calibri"/>
+            </a:endParaRPr>
+          </a:p>
+        </p:txBody>
+      </p:sp>
+      <p:sp>
+        <p:nvSpPr>
+          <p:cNvPr id="75" name="Google Shape;153;p28"/>
           <p:cNvSpPr/>
           <p:nvPr/>
         </p:nvSpPr>
         <p:spPr>
           <a:xfrm>
-            <a:off x="4832366" y="5983820"/>
+            <a:off x="7356807" y="3485617"/>
+            <a:ext cx="1636050" cy="460741"/>
+          </a:xfrm>
+          <a:prstGeom prst="rect">
+            <a:avLst/>
+          </a:prstGeom>
+          <a:solidFill>
+            <a:schemeClr val="lt1"/>
+          </a:solidFill>
+          <a:ln w="25400" cap="flat" cmpd="sng">
+            <a:solidFill>
+              <a:schemeClr val="accent1"/>
+            </a:solidFill>
+            <a:prstDash val="solid"/>
+            <a:round/>
+            <a:headEnd type="none" w="sm" len="sm"/>
+            <a:tailEnd type="none" w="sm" len="sm"/>
+          </a:ln>
+        </p:spPr>
+        <p:txBody>
+          <a:bodyPr spcFirstLastPara="1" wrap="square" lIns="91425" tIns="45700" rIns="91425" bIns="45700" anchor="ctr" anchorCtr="0">
+            <a:noAutofit/>
+          </a:bodyPr>
+          <a:lstStyle/>
+          <a:p>
+            <a:pPr algn="ctr"/>
+            <a:r>
+              <a:rPr lang="es-419" dirty="0" err="1" smtClean="0">
+                <a:solidFill>
+                  <a:schemeClr val="dk1"/>
+                </a:solidFill>
+                <a:latin typeface="Calibri"/>
+                <a:ea typeface="Calibri"/>
+                <a:cs typeface="Calibri"/>
+                <a:sym typeface="Calibri"/>
+              </a:rPr>
+              <a:t>UserData</a:t>
+            </a:r>
+            <a:endParaRPr dirty="0">
+              <a:solidFill>
+                <a:schemeClr val="dk1"/>
+              </a:solidFill>
+              <a:latin typeface="Calibri"/>
+              <a:ea typeface="Calibri"/>
+              <a:cs typeface="Calibri"/>
+              <a:sym typeface="Calibri"/>
+            </a:endParaRPr>
+          </a:p>
+        </p:txBody>
+      </p:sp>
+      <p:sp>
+        <p:nvSpPr>
+          <p:cNvPr id="79" name="Google Shape;156;p28"/>
+          <p:cNvSpPr/>
+          <p:nvPr/>
+        </p:nvSpPr>
+        <p:spPr>
+          <a:xfrm>
+            <a:off x="3113468" y="3394391"/>
             <a:ext cx="597000" cy="394800"/>
           </a:xfrm>
           <a:prstGeom prst="diamond">
@@ -5532,17 +6013,17 @@
       </p:sp>
       <p:cxnSp>
         <p:nvCxnSpPr>
-          <p:cNvPr id="99" name="Google Shape;158;p28"/>
+          <p:cNvPr id="80" name="Google Shape;157;p28"/>
           <p:cNvCxnSpPr>
-            <a:stCxn id="98" idx="3"/>
-            <a:endCxn id="47" idx="1"/>
+            <a:stCxn id="148" idx="3"/>
+            <a:endCxn id="79" idx="1"/>
           </p:cNvCxnSpPr>
           <p:nvPr/>
         </p:nvCxnSpPr>
         <p:spPr>
-          <a:xfrm>
-            <a:off x="5429366" y="6181220"/>
-            <a:ext cx="426463" cy="20231"/>
+          <a:xfrm flipV="1">
+            <a:off x="2587197" y="3591791"/>
+            <a:ext cx="526271" cy="263364"/>
           </a:xfrm>
           <a:prstGeom prst="straightConnector1">
             <a:avLst/>
@@ -5561,17 +6042,17 @@
       </p:cxnSp>
       <p:cxnSp>
         <p:nvCxnSpPr>
-          <p:cNvPr id="100" name="Google Shape;157;p28"/>
+          <p:cNvPr id="81" name="Google Shape;158;p28"/>
           <p:cNvCxnSpPr>
-            <a:stCxn id="98" idx="1"/>
-            <a:endCxn id="108" idx="3"/>
+            <a:stCxn id="79" idx="3"/>
+            <a:endCxn id="153" idx="1"/>
           </p:cNvCxnSpPr>
           <p:nvPr/>
         </p:nvCxnSpPr>
         <p:spPr>
-          <a:xfrm flipH="1" flipV="1">
-            <a:off x="4418024" y="6015751"/>
-            <a:ext cx="414342" cy="165469"/>
+          <a:xfrm flipV="1">
+            <a:off x="3710468" y="3485617"/>
+            <a:ext cx="443509" cy="106174"/>
           </a:xfrm>
           <a:prstGeom prst="straightConnector1">
             <a:avLst/>
@@ -5590,71 +6071,13 @@
       </p:cxnSp>
       <p:sp>
         <p:nvSpPr>
-          <p:cNvPr id="108" name="Google Shape;148;p28"/>
+          <p:cNvPr id="92" name="Google Shape;156;p28"/>
           <p:cNvSpPr/>
           <p:nvPr/>
         </p:nvSpPr>
         <p:spPr>
           <a:xfrm>
-            <a:off x="3242624" y="5830051"/>
-            <a:ext cx="1175400" cy="371400"/>
-          </a:xfrm>
-          <a:prstGeom prst="rect">
-            <a:avLst/>
-          </a:prstGeom>
-          <a:solidFill>
-            <a:schemeClr val="lt1"/>
-          </a:solidFill>
-          <a:ln w="25400" cap="flat" cmpd="sng">
-            <a:solidFill>
-              <a:schemeClr val="accent1"/>
-            </a:solidFill>
-            <a:prstDash val="solid"/>
-            <a:round/>
-            <a:headEnd type="none" w="sm" len="sm"/>
-            <a:tailEnd type="none" w="sm" len="sm"/>
-          </a:ln>
-        </p:spPr>
-        <p:txBody>
-          <a:bodyPr spcFirstLastPara="1" wrap="square" lIns="91425" tIns="45700" rIns="91425" bIns="45700" anchor="ctr" anchorCtr="0">
-            <a:noAutofit/>
-          </a:bodyPr>
-          <a:lstStyle/>
-          <a:p>
-            <a:pPr algn="ctr"/>
-            <a:r>
-              <a:rPr lang="es-CL" dirty="0" err="1" smtClean="0">
-                <a:solidFill>
-                  <a:schemeClr val="dk1"/>
-                </a:solidFill>
-                <a:latin typeface="Calibri"/>
-                <a:ea typeface="Calibri"/>
-                <a:cs typeface="Calibri"/>
-                <a:sym typeface="Calibri"/>
-              </a:rPr>
-              <a:t>Question</a:t>
-            </a:r>
-            <a:endParaRPr dirty="0">
-              <a:solidFill>
-                <a:schemeClr val="dk1"/>
-              </a:solidFill>
-              <a:latin typeface="Calibri"/>
-              <a:ea typeface="Calibri"/>
-              <a:cs typeface="Calibri"/>
-              <a:sym typeface="Calibri"/>
-            </a:endParaRPr>
-          </a:p>
-        </p:txBody>
-      </p:sp>
-      <p:sp>
-        <p:nvSpPr>
-          <p:cNvPr id="115" name="Google Shape;156;p28"/>
-          <p:cNvSpPr/>
-          <p:nvPr/>
-        </p:nvSpPr>
-        <p:spPr>
-          <a:xfrm>
-            <a:off x="5535999" y="4442600"/>
+            <a:off x="6233536" y="3446930"/>
             <a:ext cx="597000" cy="394800"/>
           </a:xfrm>
           <a:prstGeom prst="diamond">
@@ -5694,17 +6117,17 @@
       </p:sp>
       <p:cxnSp>
         <p:nvCxnSpPr>
-          <p:cNvPr id="116" name="Google Shape;157;p28"/>
+          <p:cNvPr id="93" name="Google Shape;157;p28"/>
           <p:cNvCxnSpPr>
-            <a:stCxn id="47" idx="0"/>
-            <a:endCxn id="115" idx="2"/>
+            <a:stCxn id="153" idx="3"/>
+            <a:endCxn id="92" idx="1"/>
           </p:cNvCxnSpPr>
           <p:nvPr/>
         </p:nvCxnSpPr>
         <p:spPr>
-          <a:xfrm flipH="1" flipV="1">
-            <a:off x="5834499" y="4837400"/>
-            <a:ext cx="609030" cy="1178351"/>
+          <a:xfrm>
+            <a:off x="5790027" y="3485617"/>
+            <a:ext cx="443509" cy="158713"/>
           </a:xfrm>
           <a:prstGeom prst="straightConnector1">
             <a:avLst/>
@@ -5723,17 +6146,17 @@
       </p:cxnSp>
       <p:cxnSp>
         <p:nvCxnSpPr>
-          <p:cNvPr id="117" name="Google Shape;158;p28"/>
+          <p:cNvPr id="94" name="Google Shape;158;p28"/>
           <p:cNvCxnSpPr>
-            <a:stCxn id="115" idx="0"/>
-            <a:endCxn id="153" idx="2"/>
+            <a:stCxn id="92" idx="3"/>
+            <a:endCxn id="75" idx="1"/>
           </p:cNvCxnSpPr>
           <p:nvPr/>
         </p:nvCxnSpPr>
         <p:spPr>
-          <a:xfrm flipH="1" flipV="1">
-            <a:off x="5729415" y="3886073"/>
-            <a:ext cx="105084" cy="556527"/>
+          <a:xfrm>
+            <a:off x="6830536" y="3644330"/>
+            <a:ext cx="526271" cy="71658"/>
           </a:xfrm>
           <a:prstGeom prst="straightConnector1">
             <a:avLst/>
@@ -5752,718 +6175,13 @@
       </p:cxnSp>
       <p:sp>
         <p:nvSpPr>
-          <p:cNvPr id="124" name="Google Shape;164;p28"/>
-          <p:cNvSpPr txBox="1"/>
-          <p:nvPr/>
-        </p:nvSpPr>
-        <p:spPr>
-          <a:xfrm>
-            <a:off x="6097191" y="4397900"/>
-            <a:ext cx="1094700" cy="253800"/>
-          </a:xfrm>
-          <a:prstGeom prst="rect">
-            <a:avLst/>
-          </a:prstGeom>
-          <a:noFill/>
-          <a:ln>
-            <a:noFill/>
-          </a:ln>
-        </p:spPr>
-        <p:txBody>
-          <a:bodyPr spcFirstLastPara="1" wrap="square" lIns="91425" tIns="45700" rIns="91425" bIns="45700" anchor="t" anchorCtr="0">
-            <a:noAutofit/>
-          </a:bodyPr>
-          <a:lstStyle/>
-          <a:p>
-            <a:pPr algn="ctr"/>
-            <a:r>
-              <a:rPr lang="es-CL" sz="1600" dirty="0" err="1" smtClean="0">
-                <a:solidFill>
-                  <a:schemeClr val="dk1"/>
-                </a:solidFill>
-                <a:latin typeface="Calibri"/>
-                <a:ea typeface="Calibri"/>
-                <a:cs typeface="Calibri"/>
-                <a:sym typeface="Calibri"/>
-              </a:rPr>
-              <a:t>containing</a:t>
-            </a:r>
-            <a:endParaRPr sz="1600" dirty="0">
-              <a:solidFill>
-                <a:schemeClr val="dk1"/>
-              </a:solidFill>
-              <a:latin typeface="Calibri"/>
-              <a:ea typeface="Calibri"/>
-              <a:cs typeface="Calibri"/>
-              <a:sym typeface="Calibri"/>
-            </a:endParaRPr>
-          </a:p>
-        </p:txBody>
-      </p:sp>
-      <p:sp>
-        <p:nvSpPr>
-          <p:cNvPr id="125" name="Google Shape;164;p28"/>
-          <p:cNvSpPr txBox="1"/>
-          <p:nvPr/>
-        </p:nvSpPr>
-        <p:spPr>
-          <a:xfrm>
-            <a:off x="4571754" y="6305104"/>
-            <a:ext cx="1094700" cy="253800"/>
-          </a:xfrm>
-          <a:prstGeom prst="rect">
-            <a:avLst/>
-          </a:prstGeom>
-          <a:noFill/>
-          <a:ln>
-            <a:noFill/>
-          </a:ln>
-        </p:spPr>
-        <p:txBody>
-          <a:bodyPr spcFirstLastPara="1" wrap="square" lIns="91425" tIns="45700" rIns="91425" bIns="45700" anchor="t" anchorCtr="0">
-            <a:noAutofit/>
-          </a:bodyPr>
-          <a:lstStyle/>
-          <a:p>
-            <a:pPr algn="ctr"/>
-            <a:r>
-              <a:rPr lang="es-CL" sz="1600" dirty="0" err="1" smtClean="0">
-                <a:solidFill>
-                  <a:schemeClr val="dk1"/>
-                </a:solidFill>
-                <a:latin typeface="Calibri"/>
-                <a:ea typeface="Calibri"/>
-                <a:cs typeface="Calibri"/>
-                <a:sym typeface="Calibri"/>
-              </a:rPr>
-              <a:t>belonging</a:t>
-            </a:r>
-            <a:endParaRPr sz="1600" dirty="0">
-              <a:solidFill>
-                <a:schemeClr val="dk1"/>
-              </a:solidFill>
-              <a:latin typeface="Calibri"/>
-              <a:ea typeface="Calibri"/>
-              <a:cs typeface="Calibri"/>
-              <a:sym typeface="Calibri"/>
-            </a:endParaRPr>
-          </a:p>
-        </p:txBody>
-      </p:sp>
-      <p:sp>
-        <p:nvSpPr>
-          <p:cNvPr id="192" name="Google Shape;151;p28"/>
-          <p:cNvSpPr txBox="1"/>
-          <p:nvPr/>
-        </p:nvSpPr>
-        <p:spPr>
-          <a:xfrm>
-            <a:off x="360618" y="5879607"/>
-            <a:ext cx="970159" cy="704928"/>
-          </a:xfrm>
-          <a:prstGeom prst="rect">
-            <a:avLst/>
-          </a:prstGeom>
-          <a:noFill/>
-          <a:ln>
-            <a:noFill/>
-          </a:ln>
-        </p:spPr>
-        <p:txBody>
-          <a:bodyPr spcFirstLastPara="1" wrap="square" lIns="91425" tIns="45700" rIns="91425" bIns="45700" anchor="t" anchorCtr="0">
-            <a:noAutofit/>
-          </a:bodyPr>
-          <a:lstStyle/>
-          <a:p>
-            <a:pPr algn="r"/>
-            <a:r>
-              <a:rPr lang="es-419" b="1" u="sng" dirty="0">
-                <a:solidFill>
-                  <a:schemeClr val="dk1"/>
-                </a:solidFill>
-                <a:latin typeface="Calibri"/>
-                <a:ea typeface="Calibri"/>
-                <a:cs typeface="Calibri"/>
-                <a:sym typeface="Calibri"/>
-              </a:rPr>
-              <a:t>ID</a:t>
-            </a:r>
-            <a:endParaRPr b="1" u="sng" dirty="0"/>
-          </a:p>
-          <a:p>
-            <a:pPr algn="r"/>
-            <a:r>
-              <a:rPr lang="es-CL" sz="1600" dirty="0" err="1" smtClean="0">
-                <a:solidFill>
-                  <a:schemeClr val="dk1"/>
-                </a:solidFill>
-                <a:latin typeface="Calibri"/>
-                <a:ea typeface="Calibri"/>
-                <a:cs typeface="Calibri"/>
-                <a:sym typeface="Calibri"/>
-              </a:rPr>
-              <a:t>badword</a:t>
-            </a:r>
-            <a:endParaRPr sz="1600" dirty="0">
-              <a:solidFill>
-                <a:schemeClr val="dk1"/>
-              </a:solidFill>
-              <a:latin typeface="Calibri"/>
-              <a:ea typeface="Calibri"/>
-              <a:cs typeface="Calibri"/>
-              <a:sym typeface="Calibri"/>
-            </a:endParaRPr>
-          </a:p>
-        </p:txBody>
-      </p:sp>
-      <p:sp>
-        <p:nvSpPr>
-          <p:cNvPr id="193" name="Google Shape;152;p28"/>
-          <p:cNvSpPr txBox="1"/>
-          <p:nvPr/>
-        </p:nvSpPr>
-        <p:spPr>
-          <a:xfrm>
-            <a:off x="3173868" y="6206369"/>
-            <a:ext cx="1199617" cy="662164"/>
-          </a:xfrm>
-          <a:prstGeom prst="rect">
-            <a:avLst/>
-          </a:prstGeom>
-          <a:noFill/>
-          <a:ln>
-            <a:noFill/>
-          </a:ln>
-        </p:spPr>
-        <p:txBody>
-          <a:bodyPr spcFirstLastPara="1" wrap="square" lIns="91425" tIns="45700" rIns="91425" bIns="45700" anchor="t" anchorCtr="0">
-            <a:noAutofit/>
-          </a:bodyPr>
-          <a:lstStyle/>
-          <a:p>
-            <a:r>
-              <a:rPr lang="es-419" b="1" u="sng" dirty="0">
-                <a:solidFill>
-                  <a:schemeClr val="dk1"/>
-                </a:solidFill>
-                <a:latin typeface="Calibri"/>
-                <a:ea typeface="Calibri"/>
-                <a:cs typeface="Calibri"/>
-                <a:sym typeface="Calibri"/>
-              </a:rPr>
-              <a:t>ID</a:t>
-            </a:r>
-            <a:endParaRPr b="1" u="sng" dirty="0">
-              <a:solidFill>
-                <a:schemeClr val="dk1"/>
-              </a:solidFill>
-              <a:latin typeface="Calibri"/>
-              <a:ea typeface="Calibri"/>
-              <a:cs typeface="Calibri"/>
-              <a:sym typeface="Calibri"/>
-            </a:endParaRPr>
-          </a:p>
-          <a:p>
-            <a:r>
-              <a:rPr lang="en-GB" sz="1600" dirty="0" smtClean="0">
-                <a:solidFill>
-                  <a:schemeClr val="dk1"/>
-                </a:solidFill>
-                <a:latin typeface="Calibri"/>
-                <a:ea typeface="Calibri"/>
-                <a:cs typeface="Calibri"/>
-                <a:sym typeface="Calibri"/>
-              </a:rPr>
-              <a:t>question</a:t>
-            </a:r>
-            <a:endParaRPr sz="1600" dirty="0">
-              <a:solidFill>
-                <a:schemeClr val="dk1"/>
-              </a:solidFill>
-              <a:latin typeface="Calibri"/>
-              <a:ea typeface="Calibri"/>
-              <a:cs typeface="Calibri"/>
-              <a:sym typeface="Calibri"/>
-            </a:endParaRPr>
-          </a:p>
-        </p:txBody>
-      </p:sp>
-      <p:sp>
-        <p:nvSpPr>
-          <p:cNvPr id="194" name="Google Shape;152;p28"/>
-          <p:cNvSpPr txBox="1"/>
-          <p:nvPr/>
-        </p:nvSpPr>
-        <p:spPr>
-          <a:xfrm>
-            <a:off x="6536932" y="738301"/>
-            <a:ext cx="1199617" cy="662164"/>
-          </a:xfrm>
-          <a:prstGeom prst="rect">
-            <a:avLst/>
-          </a:prstGeom>
-          <a:noFill/>
-          <a:ln>
-            <a:noFill/>
-          </a:ln>
-        </p:spPr>
-        <p:txBody>
-          <a:bodyPr spcFirstLastPara="1" wrap="square" lIns="91425" tIns="45700" rIns="91425" bIns="45700" anchor="t" anchorCtr="0">
-            <a:noAutofit/>
-          </a:bodyPr>
-          <a:lstStyle/>
-          <a:p>
-            <a:r>
-              <a:rPr lang="es-419" b="1" u="sng" dirty="0" smtClean="0">
-                <a:solidFill>
-                  <a:schemeClr val="dk1"/>
-                </a:solidFill>
-                <a:latin typeface="Calibri"/>
-                <a:ea typeface="Calibri"/>
-                <a:cs typeface="Calibri"/>
-                <a:sym typeface="Calibri"/>
-              </a:rPr>
-              <a:t>ID</a:t>
-            </a:r>
-          </a:p>
-          <a:p>
-            <a:r>
-              <a:rPr lang="es-419" dirty="0" err="1" smtClean="0">
-                <a:solidFill>
-                  <a:schemeClr val="dk1"/>
-                </a:solidFill>
-                <a:latin typeface="Calibri"/>
-                <a:ea typeface="Calibri"/>
-                <a:cs typeface="Calibri"/>
-                <a:sym typeface="Calibri"/>
-              </a:rPr>
-              <a:t>datetime</a:t>
-            </a:r>
-            <a:endParaRPr dirty="0">
-              <a:solidFill>
-                <a:schemeClr val="dk1"/>
-              </a:solidFill>
-              <a:latin typeface="Calibri"/>
-              <a:ea typeface="Calibri"/>
-              <a:cs typeface="Calibri"/>
-              <a:sym typeface="Calibri"/>
-            </a:endParaRPr>
-          </a:p>
-        </p:txBody>
-      </p:sp>
-      <p:sp>
-        <p:nvSpPr>
-          <p:cNvPr id="57" name="Google Shape;154;p28"/>
-          <p:cNvSpPr txBox="1"/>
-          <p:nvPr/>
-        </p:nvSpPr>
-        <p:spPr>
-          <a:xfrm>
-            <a:off x="1599202" y="3368255"/>
-            <a:ext cx="567000" cy="231000"/>
-          </a:xfrm>
-          <a:prstGeom prst="rect">
-            <a:avLst/>
-          </a:prstGeom>
-          <a:noFill/>
-          <a:ln>
-            <a:noFill/>
-          </a:ln>
-        </p:spPr>
-        <p:txBody>
-          <a:bodyPr spcFirstLastPara="1" wrap="square" lIns="91425" tIns="45700" rIns="91425" bIns="45700" anchor="t" anchorCtr="0">
-            <a:noAutofit/>
-          </a:bodyPr>
-          <a:lstStyle/>
-          <a:p>
-            <a:r>
-              <a:rPr lang="es-419" sz="1400" dirty="0" smtClean="0">
-                <a:solidFill>
-                  <a:schemeClr val="dk1"/>
-                </a:solidFill>
-                <a:latin typeface="Calibri"/>
-                <a:ea typeface="Calibri"/>
-                <a:cs typeface="Calibri"/>
-                <a:sym typeface="Calibri"/>
-              </a:rPr>
-              <a:t>1:1</a:t>
-            </a:r>
-            <a:endParaRPr sz="1400" dirty="0">
-              <a:solidFill>
-                <a:schemeClr val="dk1"/>
-              </a:solidFill>
-              <a:latin typeface="Calibri"/>
-              <a:ea typeface="Calibri"/>
-              <a:cs typeface="Calibri"/>
-              <a:sym typeface="Calibri"/>
-            </a:endParaRPr>
-          </a:p>
-        </p:txBody>
-      </p:sp>
-      <p:sp>
-        <p:nvSpPr>
-          <p:cNvPr id="58" name="Google Shape;154;p28"/>
-          <p:cNvSpPr txBox="1"/>
-          <p:nvPr/>
-        </p:nvSpPr>
-        <p:spPr>
-          <a:xfrm>
-            <a:off x="2292605" y="2557076"/>
-            <a:ext cx="567000" cy="231000"/>
-          </a:xfrm>
-          <a:prstGeom prst="rect">
-            <a:avLst/>
-          </a:prstGeom>
-          <a:noFill/>
-          <a:ln>
-            <a:noFill/>
-          </a:ln>
-        </p:spPr>
-        <p:txBody>
-          <a:bodyPr spcFirstLastPara="1" wrap="square" lIns="91425" tIns="45700" rIns="91425" bIns="45700" anchor="t" anchorCtr="0">
-            <a:noAutofit/>
-          </a:bodyPr>
-          <a:lstStyle/>
-          <a:p>
-            <a:r>
-              <a:rPr lang="es-419" sz="1400" dirty="0" smtClean="0">
-                <a:solidFill>
-                  <a:schemeClr val="dk1"/>
-                </a:solidFill>
-                <a:latin typeface="Calibri"/>
-                <a:ea typeface="Calibri"/>
-                <a:cs typeface="Calibri"/>
-                <a:sym typeface="Calibri"/>
-              </a:rPr>
-              <a:t>0:N</a:t>
-            </a:r>
-            <a:endParaRPr sz="1400" dirty="0">
-              <a:solidFill>
-                <a:schemeClr val="dk1"/>
-              </a:solidFill>
-              <a:latin typeface="Calibri"/>
-              <a:ea typeface="Calibri"/>
-              <a:cs typeface="Calibri"/>
-              <a:sym typeface="Calibri"/>
-            </a:endParaRPr>
-          </a:p>
-        </p:txBody>
-      </p:sp>
-      <p:sp>
-        <p:nvSpPr>
-          <p:cNvPr id="59" name="Google Shape;154;p28"/>
-          <p:cNvSpPr txBox="1"/>
-          <p:nvPr/>
-        </p:nvSpPr>
-        <p:spPr>
-          <a:xfrm>
-            <a:off x="1578172" y="4047605"/>
-            <a:ext cx="567000" cy="231000"/>
-          </a:xfrm>
-          <a:prstGeom prst="rect">
-            <a:avLst/>
-          </a:prstGeom>
-          <a:noFill/>
-          <a:ln>
-            <a:noFill/>
-          </a:ln>
-        </p:spPr>
-        <p:txBody>
-          <a:bodyPr spcFirstLastPara="1" wrap="square" lIns="91425" tIns="45700" rIns="91425" bIns="45700" anchor="t" anchorCtr="0">
-            <a:noAutofit/>
-          </a:bodyPr>
-          <a:lstStyle/>
-          <a:p>
-            <a:r>
-              <a:rPr lang="es-419" sz="1400" dirty="0" smtClean="0">
-                <a:solidFill>
-                  <a:schemeClr val="dk1"/>
-                </a:solidFill>
-                <a:latin typeface="Calibri"/>
-                <a:ea typeface="Calibri"/>
-                <a:cs typeface="Calibri"/>
-                <a:sym typeface="Calibri"/>
-              </a:rPr>
-              <a:t>0:N</a:t>
-            </a:r>
-            <a:endParaRPr sz="1400" dirty="0">
-              <a:solidFill>
-                <a:schemeClr val="dk1"/>
-              </a:solidFill>
-              <a:latin typeface="Calibri"/>
-              <a:ea typeface="Calibri"/>
-              <a:cs typeface="Calibri"/>
-              <a:sym typeface="Calibri"/>
-            </a:endParaRPr>
-          </a:p>
-        </p:txBody>
-      </p:sp>
-      <p:sp>
-        <p:nvSpPr>
-          <p:cNvPr id="61" name="Google Shape;154;p28"/>
-          <p:cNvSpPr txBox="1"/>
-          <p:nvPr/>
-        </p:nvSpPr>
-        <p:spPr>
-          <a:xfrm>
-            <a:off x="1599202" y="5714551"/>
-            <a:ext cx="567000" cy="231000"/>
-          </a:xfrm>
-          <a:prstGeom prst="rect">
-            <a:avLst/>
-          </a:prstGeom>
-          <a:noFill/>
-          <a:ln>
-            <a:noFill/>
-          </a:ln>
-        </p:spPr>
-        <p:txBody>
-          <a:bodyPr spcFirstLastPara="1" wrap="square" lIns="91425" tIns="45700" rIns="91425" bIns="45700" anchor="t" anchorCtr="0">
-            <a:noAutofit/>
-          </a:bodyPr>
-          <a:lstStyle/>
-          <a:p>
-            <a:r>
-              <a:rPr lang="es-419" sz="1400" dirty="0" smtClean="0">
-                <a:solidFill>
-                  <a:schemeClr val="dk1"/>
-                </a:solidFill>
-                <a:latin typeface="Calibri"/>
-                <a:ea typeface="Calibri"/>
-                <a:cs typeface="Calibri"/>
-                <a:sym typeface="Calibri"/>
-              </a:rPr>
-              <a:t>0:N</a:t>
-            </a:r>
-            <a:endParaRPr sz="1400" dirty="0">
-              <a:solidFill>
-                <a:schemeClr val="dk1"/>
-              </a:solidFill>
-              <a:latin typeface="Calibri"/>
-              <a:ea typeface="Calibri"/>
-              <a:cs typeface="Calibri"/>
-              <a:sym typeface="Calibri"/>
-            </a:endParaRPr>
-          </a:p>
-        </p:txBody>
-      </p:sp>
-      <p:sp>
-        <p:nvSpPr>
-          <p:cNvPr id="62" name="Google Shape;154;p28"/>
-          <p:cNvSpPr txBox="1"/>
-          <p:nvPr/>
-        </p:nvSpPr>
-        <p:spPr>
-          <a:xfrm>
-            <a:off x="5429366" y="5937671"/>
-            <a:ext cx="567000" cy="231000"/>
-          </a:xfrm>
-          <a:prstGeom prst="rect">
-            <a:avLst/>
-          </a:prstGeom>
-          <a:noFill/>
-          <a:ln>
-            <a:noFill/>
-          </a:ln>
-        </p:spPr>
-        <p:txBody>
-          <a:bodyPr spcFirstLastPara="1" wrap="square" lIns="91425" tIns="45700" rIns="91425" bIns="45700" anchor="t" anchorCtr="0">
-            <a:noAutofit/>
-          </a:bodyPr>
-          <a:lstStyle/>
-          <a:p>
-            <a:r>
-              <a:rPr lang="es-419" sz="1400" dirty="0">
-                <a:solidFill>
-                  <a:schemeClr val="dk1"/>
-                </a:solidFill>
-                <a:latin typeface="Calibri"/>
-                <a:ea typeface="Calibri"/>
-                <a:cs typeface="Calibri"/>
-                <a:sym typeface="Calibri"/>
-              </a:rPr>
-              <a:t>1</a:t>
-            </a:r>
-            <a:r>
-              <a:rPr lang="es-419" sz="1400" dirty="0" smtClean="0">
-                <a:solidFill>
-                  <a:schemeClr val="dk1"/>
-                </a:solidFill>
-                <a:latin typeface="Calibri"/>
-                <a:ea typeface="Calibri"/>
-                <a:cs typeface="Calibri"/>
-                <a:sym typeface="Calibri"/>
-              </a:rPr>
-              <a:t>:N</a:t>
-            </a:r>
-            <a:endParaRPr sz="1400" dirty="0">
-              <a:solidFill>
-                <a:schemeClr val="dk1"/>
-              </a:solidFill>
-              <a:latin typeface="Calibri"/>
-              <a:ea typeface="Calibri"/>
-              <a:cs typeface="Calibri"/>
-              <a:sym typeface="Calibri"/>
-            </a:endParaRPr>
-          </a:p>
-        </p:txBody>
-      </p:sp>
-      <p:sp>
-        <p:nvSpPr>
-          <p:cNvPr id="63" name="Google Shape;154;p28"/>
-          <p:cNvSpPr txBox="1"/>
-          <p:nvPr/>
-        </p:nvSpPr>
-        <p:spPr>
-          <a:xfrm>
-            <a:off x="4385823" y="5747902"/>
-            <a:ext cx="567000" cy="231000"/>
-          </a:xfrm>
-          <a:prstGeom prst="rect">
-            <a:avLst/>
-          </a:prstGeom>
-          <a:noFill/>
-          <a:ln>
-            <a:noFill/>
-          </a:ln>
-        </p:spPr>
-        <p:txBody>
-          <a:bodyPr spcFirstLastPara="1" wrap="square" lIns="91425" tIns="45700" rIns="91425" bIns="45700" anchor="t" anchorCtr="0">
-            <a:noAutofit/>
-          </a:bodyPr>
-          <a:lstStyle/>
-          <a:p>
-            <a:r>
-              <a:rPr lang="es-419" sz="1400" dirty="0" smtClean="0">
-                <a:solidFill>
-                  <a:schemeClr val="dk1"/>
-                </a:solidFill>
-                <a:latin typeface="Calibri"/>
-                <a:ea typeface="Calibri"/>
-                <a:cs typeface="Calibri"/>
-                <a:sym typeface="Calibri"/>
-              </a:rPr>
-              <a:t>1:1</a:t>
-            </a:r>
-            <a:endParaRPr sz="1400" dirty="0">
-              <a:solidFill>
-                <a:schemeClr val="dk1"/>
-              </a:solidFill>
-              <a:latin typeface="Calibri"/>
-              <a:ea typeface="Calibri"/>
-              <a:cs typeface="Calibri"/>
-              <a:sym typeface="Calibri"/>
-            </a:endParaRPr>
-          </a:p>
-        </p:txBody>
-      </p:sp>
-      <p:sp>
-        <p:nvSpPr>
-          <p:cNvPr id="64" name="Google Shape;154;p28"/>
-          <p:cNvSpPr txBox="1"/>
-          <p:nvPr/>
-        </p:nvSpPr>
-        <p:spPr>
-          <a:xfrm>
-            <a:off x="5572329" y="5278427"/>
-            <a:ext cx="567000" cy="231000"/>
-          </a:xfrm>
-          <a:prstGeom prst="rect">
-            <a:avLst/>
-          </a:prstGeom>
-          <a:noFill/>
-          <a:ln>
-            <a:noFill/>
-          </a:ln>
-        </p:spPr>
-        <p:txBody>
-          <a:bodyPr spcFirstLastPara="1" wrap="square" lIns="91425" tIns="45700" rIns="91425" bIns="45700" anchor="t" anchorCtr="0">
-            <a:noAutofit/>
-          </a:bodyPr>
-          <a:lstStyle/>
-          <a:p>
-            <a:r>
-              <a:rPr lang="es-419" sz="1400" dirty="0" smtClean="0">
-                <a:solidFill>
-                  <a:schemeClr val="dk1"/>
-                </a:solidFill>
-                <a:latin typeface="Calibri"/>
-                <a:ea typeface="Calibri"/>
-                <a:cs typeface="Calibri"/>
-                <a:sym typeface="Calibri"/>
-              </a:rPr>
-              <a:t>0:N</a:t>
-            </a:r>
-            <a:endParaRPr sz="1400" dirty="0">
-              <a:solidFill>
-                <a:schemeClr val="dk1"/>
-              </a:solidFill>
-              <a:latin typeface="Calibri"/>
-              <a:ea typeface="Calibri"/>
-              <a:cs typeface="Calibri"/>
-              <a:sym typeface="Calibri"/>
-            </a:endParaRPr>
-          </a:p>
-        </p:txBody>
-      </p:sp>
-      <p:sp>
-        <p:nvSpPr>
-          <p:cNvPr id="65" name="Google Shape;165;p28"/>
-          <p:cNvSpPr txBox="1"/>
-          <p:nvPr/>
-        </p:nvSpPr>
-        <p:spPr>
-          <a:xfrm>
-            <a:off x="2886358" y="2150483"/>
-            <a:ext cx="474151" cy="267015"/>
-          </a:xfrm>
-          <a:prstGeom prst="rect">
-            <a:avLst/>
-          </a:prstGeom>
-          <a:noFill/>
-          <a:ln>
-            <a:noFill/>
-          </a:ln>
-        </p:spPr>
-        <p:txBody>
-          <a:bodyPr spcFirstLastPara="1" wrap="square" lIns="91425" tIns="45700" rIns="91425" bIns="45700" anchor="t" anchorCtr="0">
-            <a:noAutofit/>
-          </a:bodyPr>
-          <a:lstStyle/>
-          <a:p>
-            <a:r>
-              <a:rPr lang="es-419" sz="1400" dirty="0" smtClean="0">
-                <a:solidFill>
-                  <a:schemeClr val="dk1"/>
-                </a:solidFill>
-                <a:latin typeface="Calibri"/>
-                <a:ea typeface="Calibri"/>
-                <a:cs typeface="Calibri"/>
-                <a:sym typeface="Calibri"/>
-              </a:rPr>
-              <a:t>0:N</a:t>
-            </a:r>
-            <a:endParaRPr sz="1400" dirty="0">
-              <a:solidFill>
-                <a:schemeClr val="dk1"/>
-              </a:solidFill>
-              <a:latin typeface="Calibri"/>
-              <a:ea typeface="Calibri"/>
-              <a:cs typeface="Calibri"/>
-              <a:sym typeface="Calibri"/>
-            </a:endParaRPr>
-          </a:p>
-        </p:txBody>
-      </p:sp>
-      <p:sp>
-        <p:nvSpPr>
-          <p:cNvPr id="66" name="Google Shape;156;p28"/>
+          <p:cNvPr id="101" name="Google Shape;156;p28"/>
           <p:cNvSpPr/>
           <p:nvPr/>
         </p:nvSpPr>
         <p:spPr>
           <a:xfrm>
-            <a:off x="3013660" y="4788787"/>
+            <a:off x="5491527" y="4552718"/>
             <a:ext cx="597000" cy="394800"/>
           </a:xfrm>
           <a:prstGeom prst="diamond">
@@ -6503,17 +6221,17 @@
       </p:sp>
       <p:cxnSp>
         <p:nvCxnSpPr>
-          <p:cNvPr id="67" name="Google Shape;158;p28"/>
+          <p:cNvPr id="102" name="Google Shape;157;p28"/>
           <p:cNvCxnSpPr>
-            <a:stCxn id="66" idx="0"/>
-            <a:endCxn id="148" idx="2"/>
+            <a:stCxn id="153" idx="2"/>
+            <a:endCxn id="101" idx="0"/>
           </p:cNvCxnSpPr>
           <p:nvPr/>
         </p:nvCxnSpPr>
         <p:spPr>
-          <a:xfrm flipH="1" flipV="1">
-            <a:off x="1999497" y="4040855"/>
-            <a:ext cx="1312663" cy="747932"/>
+          <a:xfrm>
+            <a:off x="4972002" y="3715987"/>
+            <a:ext cx="818025" cy="836731"/>
           </a:xfrm>
           <a:prstGeom prst="straightConnector1">
             <a:avLst/>
@@ -6532,17 +6250,17 @@
       </p:cxnSp>
       <p:cxnSp>
         <p:nvCxnSpPr>
-          <p:cNvPr id="68" name="Google Shape;157;p28"/>
+          <p:cNvPr id="103" name="Google Shape;158;p28"/>
           <p:cNvCxnSpPr>
-            <a:stCxn id="66" idx="2"/>
-            <a:endCxn id="108" idx="0"/>
+            <a:stCxn id="101" idx="2"/>
+            <a:endCxn id="47" idx="0"/>
           </p:cNvCxnSpPr>
           <p:nvPr/>
         </p:nvCxnSpPr>
         <p:spPr>
           <a:xfrm>
-            <a:off x="3312160" y="5183587"/>
-            <a:ext cx="518164" cy="646464"/>
+            <a:off x="5790027" y="4947518"/>
+            <a:ext cx="653502" cy="1068233"/>
           </a:xfrm>
           <a:prstGeom prst="straightConnector1">
             <a:avLst/>
@@ -6561,14 +6279,14 @@
       </p:cxnSp>
       <p:sp>
         <p:nvSpPr>
-          <p:cNvPr id="72" name="Google Shape;164;p28"/>
+          <p:cNvPr id="106" name="Google Shape;152;p28"/>
           <p:cNvSpPr txBox="1"/>
           <p:nvPr/>
         </p:nvSpPr>
         <p:spPr>
           <a:xfrm>
-            <a:off x="3352871" y="5018670"/>
-            <a:ext cx="1094700" cy="294738"/>
+            <a:off x="4134221" y="3757895"/>
+            <a:ext cx="1236089" cy="726830"/>
           </a:xfrm>
           <a:prstGeom prst="rect">
             <a:avLst/>
@@ -6584,9 +6302,8 @@
           </a:bodyPr>
           <a:lstStyle/>
           <a:p>
-            <a:pPr algn="ctr"/>
-            <a:r>
-              <a:rPr lang="es-CL" sz="1600" dirty="0" err="1" smtClean="0">
+            <a:r>
+              <a:rPr lang="es-419" b="1" u="sng" dirty="0">
                 <a:solidFill>
                   <a:schemeClr val="dk1"/>
                 </a:solidFill>
@@ -6595,8 +6312,65 @@
                 <a:cs typeface="Calibri"/>
                 <a:sym typeface="Calibri"/>
               </a:rPr>
-              <a:t>answering</a:t>
-            </a:r>
+              <a:t>ID</a:t>
+            </a:r>
+            <a:endParaRPr b="1" u="sng" dirty="0">
+              <a:solidFill>
+                <a:schemeClr val="dk1"/>
+              </a:solidFill>
+              <a:latin typeface="Calibri"/>
+              <a:ea typeface="Calibri"/>
+              <a:cs typeface="Calibri"/>
+              <a:sym typeface="Calibri"/>
+            </a:endParaRPr>
+          </a:p>
+          <a:p>
+            <a:r>
+              <a:rPr lang="en-GB" sz="1600" dirty="0" err="1" smtClean="0">
+                <a:solidFill>
+                  <a:schemeClr val="dk1"/>
+                </a:solidFill>
+                <a:latin typeface="Calibri"/>
+                <a:ea typeface="Calibri"/>
+                <a:cs typeface="Calibri"/>
+                <a:sym typeface="Calibri"/>
+              </a:rPr>
+              <a:t>datetime</a:t>
+            </a:r>
+            <a:endParaRPr lang="en-GB" sz="1600" dirty="0" smtClean="0">
+              <a:solidFill>
+                <a:schemeClr val="dk1"/>
+              </a:solidFill>
+              <a:latin typeface="Calibri"/>
+              <a:ea typeface="Calibri"/>
+              <a:cs typeface="Calibri"/>
+              <a:sym typeface="Calibri"/>
+            </a:endParaRPr>
+          </a:p>
+          <a:p>
+            <a:r>
+              <a:rPr lang="en-GB" sz="1600" dirty="0" err="1" smtClean="0">
+                <a:solidFill>
+                  <a:schemeClr val="dk1"/>
+                </a:solidFill>
+                <a:latin typeface="Calibri"/>
+                <a:ea typeface="Calibri"/>
+                <a:cs typeface="Calibri"/>
+                <a:sym typeface="Calibri"/>
+              </a:rPr>
+              <a:t>IsCanceled</a:t>
+            </a:r>
+            <a:endParaRPr lang="en-GB" sz="1600" dirty="0" smtClean="0">
+              <a:solidFill>
+                <a:schemeClr val="dk1"/>
+              </a:solidFill>
+              <a:latin typeface="Calibri"/>
+              <a:ea typeface="Calibri"/>
+              <a:cs typeface="Calibri"/>
+              <a:sym typeface="Calibri"/>
+            </a:endParaRPr>
+          </a:p>
+          <a:p>
             <a:endParaRPr sz="1600" dirty="0">
               <a:solidFill>
                 <a:schemeClr val="dk1"/>
@@ -6611,14 +6385,14 @@
       </p:sp>
       <p:sp>
         <p:nvSpPr>
-          <p:cNvPr id="73" name="Google Shape;154;p28"/>
+          <p:cNvPr id="107" name="Google Shape;164;p28"/>
           <p:cNvSpPr txBox="1"/>
           <p:nvPr/>
         </p:nvSpPr>
         <p:spPr>
           <a:xfrm>
-            <a:off x="3772705" y="5538331"/>
-            <a:ext cx="567000" cy="231000"/>
+            <a:off x="2737795" y="3084942"/>
+            <a:ext cx="1094700" cy="294738"/>
           </a:xfrm>
           <a:prstGeom prst="rect">
             <a:avLst/>
@@ -6634,8 +6408,9 @@
           </a:bodyPr>
           <a:lstStyle/>
           <a:p>
-            <a:r>
-              <a:rPr lang="es-419" sz="1400" dirty="0" smtClean="0">
+            <a:pPr algn="ctr"/>
+            <a:r>
+              <a:rPr lang="es-CL" sz="1600" dirty="0" err="1" smtClean="0">
                 <a:solidFill>
                   <a:schemeClr val="dk1"/>
                 </a:solidFill>
@@ -6644,7 +6419,118 @@
                 <a:cs typeface="Calibri"/>
                 <a:sym typeface="Calibri"/>
               </a:rPr>
-              <a:t>0:N</a:t>
+              <a:t>containing</a:t>
+            </a:r>
+            <a:endParaRPr sz="1600" dirty="0">
+              <a:solidFill>
+                <a:schemeClr val="dk1"/>
+              </a:solidFill>
+              <a:latin typeface="Calibri"/>
+              <a:ea typeface="Calibri"/>
+              <a:cs typeface="Calibri"/>
+              <a:sym typeface="Calibri"/>
+            </a:endParaRPr>
+          </a:p>
+        </p:txBody>
+      </p:sp>
+      <p:sp>
+        <p:nvSpPr>
+          <p:cNvPr id="109" name="Google Shape;164;p28"/>
+          <p:cNvSpPr txBox="1"/>
+          <p:nvPr/>
+        </p:nvSpPr>
+        <p:spPr>
+          <a:xfrm>
+            <a:off x="6008168" y="3063243"/>
+            <a:ext cx="1094700" cy="294738"/>
+          </a:xfrm>
+          <a:prstGeom prst="rect">
+            <a:avLst/>
+          </a:prstGeom>
+          <a:noFill/>
+          <a:ln>
+            <a:noFill/>
+          </a:ln>
+        </p:spPr>
+        <p:txBody>
+          <a:bodyPr spcFirstLastPara="1" wrap="square" lIns="91425" tIns="45700" rIns="91425" bIns="45700" anchor="t" anchorCtr="0">
+            <a:noAutofit/>
+          </a:bodyPr>
+          <a:lstStyle/>
+          <a:p>
+            <a:pPr algn="ctr"/>
+            <a:r>
+              <a:rPr lang="es-CL" sz="1600" dirty="0" err="1" smtClean="0">
+                <a:solidFill>
+                  <a:schemeClr val="dk1"/>
+                </a:solidFill>
+                <a:latin typeface="Calibri"/>
+                <a:ea typeface="Calibri"/>
+                <a:cs typeface="Calibri"/>
+                <a:sym typeface="Calibri"/>
+              </a:rPr>
+              <a:t>containing</a:t>
+            </a:r>
+            <a:endParaRPr sz="1600" dirty="0">
+              <a:solidFill>
+                <a:schemeClr val="dk1"/>
+              </a:solidFill>
+              <a:latin typeface="Calibri"/>
+              <a:ea typeface="Calibri"/>
+              <a:cs typeface="Calibri"/>
+              <a:sym typeface="Calibri"/>
+            </a:endParaRPr>
+          </a:p>
+        </p:txBody>
+      </p:sp>
+      <p:sp>
+        <p:nvSpPr>
+          <p:cNvPr id="110" name="Google Shape;154;p28"/>
+          <p:cNvSpPr txBox="1"/>
+          <p:nvPr/>
+        </p:nvSpPr>
+        <p:spPr>
+          <a:xfrm>
+            <a:off x="3734978" y="3227800"/>
+            <a:ext cx="567000" cy="231000"/>
+          </a:xfrm>
+          <a:prstGeom prst="rect">
+            <a:avLst/>
+          </a:prstGeom>
+          <a:noFill/>
+          <a:ln>
+            <a:noFill/>
+          </a:ln>
+        </p:spPr>
+        <p:txBody>
+          <a:bodyPr spcFirstLastPara="1" wrap="square" lIns="91425" tIns="45700" rIns="91425" bIns="45700" anchor="t" anchorCtr="0">
+            <a:noAutofit/>
+          </a:bodyPr>
+          <a:lstStyle/>
+          <a:p>
+            <a:r>
+              <a:rPr lang="es-419" sz="1400" dirty="0" smtClean="0">
+                <a:solidFill>
+                  <a:schemeClr val="dk1"/>
+                </a:solidFill>
+                <a:latin typeface="Calibri"/>
+                <a:ea typeface="Calibri"/>
+                <a:cs typeface="Calibri"/>
+                <a:sym typeface="Calibri"/>
+              </a:rPr>
+              <a:t>0</a:t>
+            </a:r>
+            <a:r>
+              <a:rPr lang="es-419" sz="1400" dirty="0" smtClean="0">
+                <a:solidFill>
+                  <a:schemeClr val="dk1"/>
+                </a:solidFill>
+                <a:latin typeface="Calibri"/>
+                <a:ea typeface="Calibri"/>
+                <a:cs typeface="Calibri"/>
+                <a:sym typeface="Calibri"/>
+              </a:rPr>
+              <a:t>:N</a:t>
             </a:r>
             <a:endParaRPr sz="1400" dirty="0">
               <a:solidFill>
@@ -6660,13 +6546,210 @@
       </p:sp>
       <p:sp>
         <p:nvSpPr>
-          <p:cNvPr id="74" name="Google Shape;154;p28"/>
+          <p:cNvPr id="111" name="Google Shape;154;p28"/>
           <p:cNvSpPr txBox="1"/>
           <p:nvPr/>
         </p:nvSpPr>
         <p:spPr>
           <a:xfrm>
-            <a:off x="2335126" y="4058125"/>
+            <a:off x="2567119" y="3415055"/>
+            <a:ext cx="567000" cy="231000"/>
+          </a:xfrm>
+          <a:prstGeom prst="rect">
+            <a:avLst/>
+          </a:prstGeom>
+          <a:noFill/>
+          <a:ln>
+            <a:noFill/>
+          </a:ln>
+        </p:spPr>
+        <p:txBody>
+          <a:bodyPr spcFirstLastPara="1" wrap="square" lIns="91425" tIns="45700" rIns="91425" bIns="45700" anchor="t" anchorCtr="0">
+            <a:noAutofit/>
+          </a:bodyPr>
+          <a:lstStyle/>
+          <a:p>
+            <a:r>
+              <a:rPr lang="es-419" sz="1400" dirty="0" smtClean="0">
+                <a:solidFill>
+                  <a:schemeClr val="dk1"/>
+                </a:solidFill>
+                <a:latin typeface="Calibri"/>
+                <a:ea typeface="Calibri"/>
+                <a:cs typeface="Calibri"/>
+                <a:sym typeface="Calibri"/>
+              </a:rPr>
+              <a:t>1:1</a:t>
+            </a:r>
+            <a:endParaRPr sz="1400" dirty="0">
+              <a:solidFill>
+                <a:schemeClr val="dk1"/>
+              </a:solidFill>
+              <a:latin typeface="Calibri"/>
+              <a:ea typeface="Calibri"/>
+              <a:cs typeface="Calibri"/>
+              <a:sym typeface="Calibri"/>
+            </a:endParaRPr>
+          </a:p>
+        </p:txBody>
+      </p:sp>
+      <p:sp>
+        <p:nvSpPr>
+          <p:cNvPr id="112" name="Google Shape;164;p28"/>
+          <p:cNvSpPr txBox="1"/>
+          <p:nvPr/>
+        </p:nvSpPr>
+        <p:spPr>
+          <a:xfrm>
+            <a:off x="5957258" y="4514297"/>
+            <a:ext cx="1094700" cy="294738"/>
+          </a:xfrm>
+          <a:prstGeom prst="rect">
+            <a:avLst/>
+          </a:prstGeom>
+          <a:noFill/>
+          <a:ln>
+            <a:noFill/>
+          </a:ln>
+        </p:spPr>
+        <p:txBody>
+          <a:bodyPr spcFirstLastPara="1" wrap="square" lIns="91425" tIns="45700" rIns="91425" bIns="45700" anchor="t" anchorCtr="0">
+            <a:noAutofit/>
+          </a:bodyPr>
+          <a:lstStyle/>
+          <a:p>
+            <a:pPr algn="ctr"/>
+            <a:r>
+              <a:rPr lang="es-CL" sz="1600" dirty="0" err="1" smtClean="0">
+                <a:solidFill>
+                  <a:schemeClr val="dk1"/>
+                </a:solidFill>
+                <a:latin typeface="Calibri"/>
+                <a:ea typeface="Calibri"/>
+                <a:cs typeface="Calibri"/>
+                <a:sym typeface="Calibri"/>
+              </a:rPr>
+              <a:t>relating</a:t>
+            </a:r>
+            <a:endParaRPr sz="1600" dirty="0">
+              <a:solidFill>
+                <a:schemeClr val="dk1"/>
+              </a:solidFill>
+              <a:latin typeface="Calibri"/>
+              <a:ea typeface="Calibri"/>
+              <a:cs typeface="Calibri"/>
+              <a:sym typeface="Calibri"/>
+            </a:endParaRPr>
+          </a:p>
+        </p:txBody>
+      </p:sp>
+      <p:sp>
+        <p:nvSpPr>
+          <p:cNvPr id="113" name="Google Shape;154;p28"/>
+          <p:cNvSpPr txBox="1"/>
+          <p:nvPr/>
+        </p:nvSpPr>
+        <p:spPr>
+          <a:xfrm>
+            <a:off x="6919598" y="3401194"/>
+            <a:ext cx="567000" cy="231000"/>
+          </a:xfrm>
+          <a:prstGeom prst="rect">
+            <a:avLst/>
+          </a:prstGeom>
+          <a:noFill/>
+          <a:ln>
+            <a:noFill/>
+          </a:ln>
+        </p:spPr>
+        <p:txBody>
+          <a:bodyPr spcFirstLastPara="1" wrap="square" lIns="91425" tIns="45700" rIns="91425" bIns="45700" anchor="t" anchorCtr="0">
+            <a:noAutofit/>
+          </a:bodyPr>
+          <a:lstStyle/>
+          <a:p>
+            <a:r>
+              <a:rPr lang="es-419" sz="1400" dirty="0" smtClean="0">
+                <a:solidFill>
+                  <a:schemeClr val="dk1"/>
+                </a:solidFill>
+                <a:latin typeface="Calibri"/>
+                <a:ea typeface="Calibri"/>
+                <a:cs typeface="Calibri"/>
+                <a:sym typeface="Calibri"/>
+              </a:rPr>
+              <a:t>1:1</a:t>
+            </a:r>
+            <a:endParaRPr sz="1400" dirty="0">
+              <a:solidFill>
+                <a:schemeClr val="dk1"/>
+              </a:solidFill>
+              <a:latin typeface="Calibri"/>
+              <a:ea typeface="Calibri"/>
+              <a:cs typeface="Calibri"/>
+              <a:sym typeface="Calibri"/>
+            </a:endParaRPr>
+          </a:p>
+        </p:txBody>
+      </p:sp>
+      <p:sp>
+        <p:nvSpPr>
+          <p:cNvPr id="114" name="Google Shape;154;p28"/>
+          <p:cNvSpPr txBox="1"/>
+          <p:nvPr/>
+        </p:nvSpPr>
+        <p:spPr>
+          <a:xfrm>
+            <a:off x="5747481" y="3240200"/>
+            <a:ext cx="567000" cy="231000"/>
+          </a:xfrm>
+          <a:prstGeom prst="rect">
+            <a:avLst/>
+          </a:prstGeom>
+          <a:noFill/>
+          <a:ln>
+            <a:noFill/>
+          </a:ln>
+        </p:spPr>
+        <p:txBody>
+          <a:bodyPr spcFirstLastPara="1" wrap="square" lIns="91425" tIns="45700" rIns="91425" bIns="45700" anchor="t" anchorCtr="0">
+            <a:noAutofit/>
+          </a:bodyPr>
+          <a:lstStyle/>
+          <a:p>
+            <a:r>
+              <a:rPr lang="es-419" sz="1400" dirty="0" smtClean="0">
+                <a:solidFill>
+                  <a:schemeClr val="dk1"/>
+                </a:solidFill>
+                <a:latin typeface="Calibri"/>
+                <a:ea typeface="Calibri"/>
+                <a:cs typeface="Calibri"/>
+                <a:sym typeface="Calibri"/>
+              </a:rPr>
+              <a:t>1:1</a:t>
+            </a:r>
+            <a:endParaRPr sz="1400" dirty="0">
+              <a:solidFill>
+                <a:schemeClr val="dk1"/>
+              </a:solidFill>
+              <a:latin typeface="Calibri"/>
+              <a:ea typeface="Calibri"/>
+              <a:cs typeface="Calibri"/>
+              <a:sym typeface="Calibri"/>
+            </a:endParaRPr>
+          </a:p>
+        </p:txBody>
+      </p:sp>
+      <p:sp>
+        <p:nvSpPr>
+          <p:cNvPr id="118" name="Google Shape;154;p28"/>
+          <p:cNvSpPr txBox="1"/>
+          <p:nvPr/>
+        </p:nvSpPr>
+        <p:spPr>
+          <a:xfrm>
+            <a:off x="5208027" y="3742111"/>
             <a:ext cx="567000" cy="231000"/>
           </a:xfrm>
           <a:prstGeom prst="rect">

--- a/MarketingProject.pptx
+++ b/MarketingProject.pptx
@@ -197,7 +197,7 @@
           <a:p>
             <a:fld id="{B88EB822-C65D-4F63-8844-3185A229456B}" type="datetimeFigureOut">
               <a:rPr lang="en-GB" smtClean="0"/>
-              <a:t>19/05/2021</a:t>
+              <a:t>24/05/2021</a:t>
             </a:fld>
             <a:endParaRPr lang="en-GB"/>
           </a:p>
@@ -705,7 +705,7 @@
           <a:p>
             <a:fld id="{88896631-C7E4-4635-9282-84EB17CD27B2}" type="datetimeFigureOut">
               <a:rPr lang="en-GB" smtClean="0"/>
-              <a:t>19/05/2021</a:t>
+              <a:t>24/05/2021</a:t>
             </a:fld>
             <a:endParaRPr lang="en-GB"/>
           </a:p>
@@ -875,7 +875,7 @@
           <a:p>
             <a:fld id="{88896631-C7E4-4635-9282-84EB17CD27B2}" type="datetimeFigureOut">
               <a:rPr lang="en-GB" smtClean="0"/>
-              <a:t>19/05/2021</a:t>
+              <a:t>24/05/2021</a:t>
             </a:fld>
             <a:endParaRPr lang="en-GB"/>
           </a:p>
@@ -1055,7 +1055,7 @@
           <a:p>
             <a:fld id="{88896631-C7E4-4635-9282-84EB17CD27B2}" type="datetimeFigureOut">
               <a:rPr lang="en-GB" smtClean="0"/>
-              <a:t>19/05/2021</a:t>
+              <a:t>24/05/2021</a:t>
             </a:fld>
             <a:endParaRPr lang="en-GB"/>
           </a:p>
@@ -1225,7 +1225,7 @@
           <a:p>
             <a:fld id="{88896631-C7E4-4635-9282-84EB17CD27B2}" type="datetimeFigureOut">
               <a:rPr lang="en-GB" smtClean="0"/>
-              <a:t>19/05/2021</a:t>
+              <a:t>24/05/2021</a:t>
             </a:fld>
             <a:endParaRPr lang="en-GB"/>
           </a:p>
@@ -1469,7 +1469,7 @@
           <a:p>
             <a:fld id="{88896631-C7E4-4635-9282-84EB17CD27B2}" type="datetimeFigureOut">
               <a:rPr lang="en-GB" smtClean="0"/>
-              <a:t>19/05/2021</a:t>
+              <a:t>24/05/2021</a:t>
             </a:fld>
             <a:endParaRPr lang="en-GB"/>
           </a:p>
@@ -1701,7 +1701,7 @@
           <a:p>
             <a:fld id="{88896631-C7E4-4635-9282-84EB17CD27B2}" type="datetimeFigureOut">
               <a:rPr lang="en-GB" smtClean="0"/>
-              <a:t>19/05/2021</a:t>
+              <a:t>24/05/2021</a:t>
             </a:fld>
             <a:endParaRPr lang="en-GB"/>
           </a:p>
@@ -2068,7 +2068,7 @@
           <a:p>
             <a:fld id="{88896631-C7E4-4635-9282-84EB17CD27B2}" type="datetimeFigureOut">
               <a:rPr lang="en-GB" smtClean="0"/>
-              <a:t>19/05/2021</a:t>
+              <a:t>24/05/2021</a:t>
             </a:fld>
             <a:endParaRPr lang="en-GB"/>
           </a:p>
@@ -2186,7 +2186,7 @@
           <a:p>
             <a:fld id="{88896631-C7E4-4635-9282-84EB17CD27B2}" type="datetimeFigureOut">
               <a:rPr lang="en-GB" smtClean="0"/>
-              <a:t>19/05/2021</a:t>
+              <a:t>24/05/2021</a:t>
             </a:fld>
             <a:endParaRPr lang="en-GB"/>
           </a:p>
@@ -2281,7 +2281,7 @@
           <a:p>
             <a:fld id="{88896631-C7E4-4635-9282-84EB17CD27B2}" type="datetimeFigureOut">
               <a:rPr lang="en-GB" smtClean="0"/>
-              <a:t>19/05/2021</a:t>
+              <a:t>24/05/2021</a:t>
             </a:fld>
             <a:endParaRPr lang="en-GB"/>
           </a:p>
@@ -2558,7 +2558,7 @@
           <a:p>
             <a:fld id="{88896631-C7E4-4635-9282-84EB17CD27B2}" type="datetimeFigureOut">
               <a:rPr lang="en-GB" smtClean="0"/>
-              <a:t>19/05/2021</a:t>
+              <a:t>24/05/2021</a:t>
             </a:fld>
             <a:endParaRPr lang="en-GB"/>
           </a:p>
@@ -2815,7 +2815,7 @@
           <a:p>
             <a:fld id="{88896631-C7E4-4635-9282-84EB17CD27B2}" type="datetimeFigureOut">
               <a:rPr lang="en-GB" smtClean="0"/>
-              <a:t>19/05/2021</a:t>
+              <a:t>24/05/2021</a:t>
             </a:fld>
             <a:endParaRPr lang="en-GB"/>
           </a:p>
@@ -3028,7 +3028,7 @@
           <a:p>
             <a:fld id="{88896631-C7E4-4635-9282-84EB17CD27B2}" type="datetimeFigureOut">
               <a:rPr lang="en-GB" smtClean="0"/>
-              <a:t>19/05/2021</a:t>
+              <a:t>24/05/2021</a:t>
             </a:fld>
             <a:endParaRPr lang="en-GB"/>
           </a:p>
@@ -6518,19 +6518,7 @@
                 <a:cs typeface="Calibri"/>
                 <a:sym typeface="Calibri"/>
               </a:rPr>
-              <a:t>0</a:t>
-            </a:r>
-            <a:r>
-              <a:rPr lang="es-419" sz="1400" dirty="0" smtClean="0">
-                <a:solidFill>
-                  <a:schemeClr val="dk1"/>
-                </a:solidFill>
-                <a:latin typeface="Calibri"/>
-                <a:ea typeface="Calibri"/>
-                <a:cs typeface="Calibri"/>
-                <a:sym typeface="Calibri"/>
-              </a:rPr>
-              <a:t>:N</a:t>
+              <a:t>0:N</a:t>
             </a:r>
             <a:endParaRPr sz="1400" dirty="0">
               <a:solidFill>

--- a/MarketingProject.pptx
+++ b/MarketingProject.pptx
@@ -197,7 +197,7 @@
           <a:p>
             <a:fld id="{B88EB822-C65D-4F63-8844-3185A229456B}" type="datetimeFigureOut">
               <a:rPr lang="en-GB" smtClean="0"/>
-              <a:t>24/05/2021</a:t>
+              <a:t>25/05/2021</a:t>
             </a:fld>
             <a:endParaRPr lang="en-GB"/>
           </a:p>
@@ -705,7 +705,7 @@
           <a:p>
             <a:fld id="{88896631-C7E4-4635-9282-84EB17CD27B2}" type="datetimeFigureOut">
               <a:rPr lang="en-GB" smtClean="0"/>
-              <a:t>24/05/2021</a:t>
+              <a:t>25/05/2021</a:t>
             </a:fld>
             <a:endParaRPr lang="en-GB"/>
           </a:p>
@@ -875,7 +875,7 @@
           <a:p>
             <a:fld id="{88896631-C7E4-4635-9282-84EB17CD27B2}" type="datetimeFigureOut">
               <a:rPr lang="en-GB" smtClean="0"/>
-              <a:t>24/05/2021</a:t>
+              <a:t>25/05/2021</a:t>
             </a:fld>
             <a:endParaRPr lang="en-GB"/>
           </a:p>
@@ -1055,7 +1055,7 @@
           <a:p>
             <a:fld id="{88896631-C7E4-4635-9282-84EB17CD27B2}" type="datetimeFigureOut">
               <a:rPr lang="en-GB" smtClean="0"/>
-              <a:t>24/05/2021</a:t>
+              <a:t>25/05/2021</a:t>
             </a:fld>
             <a:endParaRPr lang="en-GB"/>
           </a:p>
@@ -1225,7 +1225,7 @@
           <a:p>
             <a:fld id="{88896631-C7E4-4635-9282-84EB17CD27B2}" type="datetimeFigureOut">
               <a:rPr lang="en-GB" smtClean="0"/>
-              <a:t>24/05/2021</a:t>
+              <a:t>25/05/2021</a:t>
             </a:fld>
             <a:endParaRPr lang="en-GB"/>
           </a:p>
@@ -1469,7 +1469,7 @@
           <a:p>
             <a:fld id="{88896631-C7E4-4635-9282-84EB17CD27B2}" type="datetimeFigureOut">
               <a:rPr lang="en-GB" smtClean="0"/>
-              <a:t>24/05/2021</a:t>
+              <a:t>25/05/2021</a:t>
             </a:fld>
             <a:endParaRPr lang="en-GB"/>
           </a:p>
@@ -1701,7 +1701,7 @@
           <a:p>
             <a:fld id="{88896631-C7E4-4635-9282-84EB17CD27B2}" type="datetimeFigureOut">
               <a:rPr lang="en-GB" smtClean="0"/>
-              <a:t>24/05/2021</a:t>
+              <a:t>25/05/2021</a:t>
             </a:fld>
             <a:endParaRPr lang="en-GB"/>
           </a:p>
@@ -2068,7 +2068,7 @@
           <a:p>
             <a:fld id="{88896631-C7E4-4635-9282-84EB17CD27B2}" type="datetimeFigureOut">
               <a:rPr lang="en-GB" smtClean="0"/>
-              <a:t>24/05/2021</a:t>
+              <a:t>25/05/2021</a:t>
             </a:fld>
             <a:endParaRPr lang="en-GB"/>
           </a:p>
@@ -2186,7 +2186,7 @@
           <a:p>
             <a:fld id="{88896631-C7E4-4635-9282-84EB17CD27B2}" type="datetimeFigureOut">
               <a:rPr lang="en-GB" smtClean="0"/>
-              <a:t>24/05/2021</a:t>
+              <a:t>25/05/2021</a:t>
             </a:fld>
             <a:endParaRPr lang="en-GB"/>
           </a:p>
@@ -2281,7 +2281,7 @@
           <a:p>
             <a:fld id="{88896631-C7E4-4635-9282-84EB17CD27B2}" type="datetimeFigureOut">
               <a:rPr lang="en-GB" smtClean="0"/>
-              <a:t>24/05/2021</a:t>
+              <a:t>25/05/2021</a:t>
             </a:fld>
             <a:endParaRPr lang="en-GB"/>
           </a:p>
@@ -2558,7 +2558,7 @@
           <a:p>
             <a:fld id="{88896631-C7E4-4635-9282-84EB17CD27B2}" type="datetimeFigureOut">
               <a:rPr lang="en-GB" smtClean="0"/>
-              <a:t>24/05/2021</a:t>
+              <a:t>25/05/2021</a:t>
             </a:fld>
             <a:endParaRPr lang="en-GB"/>
           </a:p>
@@ -2815,7 +2815,7 @@
           <a:p>
             <a:fld id="{88896631-C7E4-4635-9282-84EB17CD27B2}" type="datetimeFigureOut">
               <a:rPr lang="en-GB" smtClean="0"/>
-              <a:t>24/05/2021</a:t>
+              <a:t>25/05/2021</a:t>
             </a:fld>
             <a:endParaRPr lang="en-GB"/>
           </a:p>
@@ -3028,7 +3028,7 @@
           <a:p>
             <a:fld id="{88896631-C7E4-4635-9282-84EB17CD27B2}" type="datetimeFigureOut">
               <a:rPr lang="en-GB" smtClean="0"/>
-              <a:t>24/05/2021</a:t>
+              <a:t>25/05/2021</a:t>
             </a:fld>
             <a:endParaRPr lang="en-GB"/>
           </a:p>
@@ -3792,7 +3792,7 @@
           <a:p>
             <a:pPr algn="r"/>
             <a:r>
-              <a:rPr lang="es-CL" sz="1600" dirty="0" err="1" smtClean="0">
+              <a:rPr lang="es-CL" sz="1600" dirty="0" err="1">
                 <a:solidFill>
                   <a:schemeClr val="dk1"/>
                 </a:solidFill>
@@ -3801,7 +3801,43 @@
                 <a:cs typeface="Calibri"/>
                 <a:sym typeface="Calibri"/>
               </a:rPr>
-              <a:t>answer</a:t>
+              <a:t>a</a:t>
+            </a:r>
+            <a:r>
+              <a:rPr lang="es-CL" sz="1600" dirty="0" err="1" smtClean="0">
+                <a:solidFill>
+                  <a:schemeClr val="dk1"/>
+                </a:solidFill>
+                <a:latin typeface="Calibri"/>
+                <a:ea typeface="Calibri"/>
+                <a:cs typeface="Calibri"/>
+                <a:sym typeface="Calibri"/>
+              </a:rPr>
+              <a:t>nswer</a:t>
+            </a:r>
+            <a:endParaRPr lang="es-CL" sz="1600" dirty="0" smtClean="0">
+              <a:solidFill>
+                <a:schemeClr val="dk1"/>
+              </a:solidFill>
+              <a:latin typeface="Calibri"/>
+              <a:ea typeface="Calibri"/>
+              <a:cs typeface="Calibri"/>
+              <a:sym typeface="Calibri"/>
+            </a:endParaRPr>
+          </a:p>
+          <a:p>
+            <a:pPr algn="r"/>
+            <a:r>
+              <a:rPr lang="es-CL" sz="1600" dirty="0" err="1" smtClean="0">
+                <a:solidFill>
+                  <a:schemeClr val="dk1"/>
+                </a:solidFill>
+                <a:latin typeface="Calibri"/>
+                <a:ea typeface="Calibri"/>
+                <a:cs typeface="Calibri"/>
+                <a:sym typeface="Calibri"/>
+              </a:rPr>
+              <a:t>questiontext</a:t>
             </a:r>
             <a:endParaRPr lang="es-CL" sz="1600" dirty="0" smtClean="0">
               <a:solidFill>

--- a/MarketingProject.pptx
+++ b/MarketingProject.pptx
@@ -197,7 +197,7 @@
           <a:p>
             <a:fld id="{B88EB822-C65D-4F63-8844-3185A229456B}" type="datetimeFigureOut">
               <a:rPr lang="en-GB" smtClean="0"/>
-              <a:t>19/05/2021</a:t>
+              <a:t>25/05/2021</a:t>
             </a:fld>
             <a:endParaRPr lang="en-GB"/>
           </a:p>
@@ -705,7 +705,7 @@
           <a:p>
             <a:fld id="{88896631-C7E4-4635-9282-84EB17CD27B2}" type="datetimeFigureOut">
               <a:rPr lang="en-GB" smtClean="0"/>
-              <a:t>19/05/2021</a:t>
+              <a:t>25/05/2021</a:t>
             </a:fld>
             <a:endParaRPr lang="en-GB"/>
           </a:p>
@@ -875,7 +875,7 @@
           <a:p>
             <a:fld id="{88896631-C7E4-4635-9282-84EB17CD27B2}" type="datetimeFigureOut">
               <a:rPr lang="en-GB" smtClean="0"/>
-              <a:t>19/05/2021</a:t>
+              <a:t>25/05/2021</a:t>
             </a:fld>
             <a:endParaRPr lang="en-GB"/>
           </a:p>
@@ -1055,7 +1055,7 @@
           <a:p>
             <a:fld id="{88896631-C7E4-4635-9282-84EB17CD27B2}" type="datetimeFigureOut">
               <a:rPr lang="en-GB" smtClean="0"/>
-              <a:t>19/05/2021</a:t>
+              <a:t>25/05/2021</a:t>
             </a:fld>
             <a:endParaRPr lang="en-GB"/>
           </a:p>
@@ -1225,7 +1225,7 @@
           <a:p>
             <a:fld id="{88896631-C7E4-4635-9282-84EB17CD27B2}" type="datetimeFigureOut">
               <a:rPr lang="en-GB" smtClean="0"/>
-              <a:t>19/05/2021</a:t>
+              <a:t>25/05/2021</a:t>
             </a:fld>
             <a:endParaRPr lang="en-GB"/>
           </a:p>
@@ -1469,7 +1469,7 @@
           <a:p>
             <a:fld id="{88896631-C7E4-4635-9282-84EB17CD27B2}" type="datetimeFigureOut">
               <a:rPr lang="en-GB" smtClean="0"/>
-              <a:t>19/05/2021</a:t>
+              <a:t>25/05/2021</a:t>
             </a:fld>
             <a:endParaRPr lang="en-GB"/>
           </a:p>
@@ -1701,7 +1701,7 @@
           <a:p>
             <a:fld id="{88896631-C7E4-4635-9282-84EB17CD27B2}" type="datetimeFigureOut">
               <a:rPr lang="en-GB" smtClean="0"/>
-              <a:t>19/05/2021</a:t>
+              <a:t>25/05/2021</a:t>
             </a:fld>
             <a:endParaRPr lang="en-GB"/>
           </a:p>
@@ -2068,7 +2068,7 @@
           <a:p>
             <a:fld id="{88896631-C7E4-4635-9282-84EB17CD27B2}" type="datetimeFigureOut">
               <a:rPr lang="en-GB" smtClean="0"/>
-              <a:t>19/05/2021</a:t>
+              <a:t>25/05/2021</a:t>
             </a:fld>
             <a:endParaRPr lang="en-GB"/>
           </a:p>
@@ -2186,7 +2186,7 @@
           <a:p>
             <a:fld id="{88896631-C7E4-4635-9282-84EB17CD27B2}" type="datetimeFigureOut">
               <a:rPr lang="en-GB" smtClean="0"/>
-              <a:t>19/05/2021</a:t>
+              <a:t>25/05/2021</a:t>
             </a:fld>
             <a:endParaRPr lang="en-GB"/>
           </a:p>
@@ -2281,7 +2281,7 @@
           <a:p>
             <a:fld id="{88896631-C7E4-4635-9282-84EB17CD27B2}" type="datetimeFigureOut">
               <a:rPr lang="en-GB" smtClean="0"/>
-              <a:t>19/05/2021</a:t>
+              <a:t>25/05/2021</a:t>
             </a:fld>
             <a:endParaRPr lang="en-GB"/>
           </a:p>
@@ -2558,7 +2558,7 @@
           <a:p>
             <a:fld id="{88896631-C7E4-4635-9282-84EB17CD27B2}" type="datetimeFigureOut">
               <a:rPr lang="en-GB" smtClean="0"/>
-              <a:t>19/05/2021</a:t>
+              <a:t>25/05/2021</a:t>
             </a:fld>
             <a:endParaRPr lang="en-GB"/>
           </a:p>
@@ -2815,7 +2815,7 @@
           <a:p>
             <a:fld id="{88896631-C7E4-4635-9282-84EB17CD27B2}" type="datetimeFigureOut">
               <a:rPr lang="en-GB" smtClean="0"/>
-              <a:t>19/05/2021</a:t>
+              <a:t>25/05/2021</a:t>
             </a:fld>
             <a:endParaRPr lang="en-GB"/>
           </a:p>
@@ -3028,7 +3028,7 @@
           <a:p>
             <a:fld id="{88896631-C7E4-4635-9282-84EB17CD27B2}" type="datetimeFigureOut">
               <a:rPr lang="en-GB" smtClean="0"/>
-              <a:t>19/05/2021</a:t>
+              <a:t>25/05/2021</a:t>
             </a:fld>
             <a:endParaRPr lang="en-GB"/>
           </a:p>
@@ -3792,7 +3792,7 @@
           <a:p>
             <a:pPr algn="r"/>
             <a:r>
-              <a:rPr lang="es-CL" sz="1600" dirty="0" err="1" smtClean="0">
+              <a:rPr lang="es-CL" sz="1600" dirty="0" err="1">
                 <a:solidFill>
                   <a:schemeClr val="dk1"/>
                 </a:solidFill>
@@ -3801,7 +3801,43 @@
                 <a:cs typeface="Calibri"/>
                 <a:sym typeface="Calibri"/>
               </a:rPr>
-              <a:t>answer</a:t>
+              <a:t>a</a:t>
+            </a:r>
+            <a:r>
+              <a:rPr lang="es-CL" sz="1600" dirty="0" err="1" smtClean="0">
+                <a:solidFill>
+                  <a:schemeClr val="dk1"/>
+                </a:solidFill>
+                <a:latin typeface="Calibri"/>
+                <a:ea typeface="Calibri"/>
+                <a:cs typeface="Calibri"/>
+                <a:sym typeface="Calibri"/>
+              </a:rPr>
+              <a:t>nswer</a:t>
+            </a:r>
+            <a:endParaRPr lang="es-CL" sz="1600" dirty="0" smtClean="0">
+              <a:solidFill>
+                <a:schemeClr val="dk1"/>
+              </a:solidFill>
+              <a:latin typeface="Calibri"/>
+              <a:ea typeface="Calibri"/>
+              <a:cs typeface="Calibri"/>
+              <a:sym typeface="Calibri"/>
+            </a:endParaRPr>
+          </a:p>
+          <a:p>
+            <a:pPr algn="r"/>
+            <a:r>
+              <a:rPr lang="es-CL" sz="1600" dirty="0" err="1" smtClean="0">
+                <a:solidFill>
+                  <a:schemeClr val="dk1"/>
+                </a:solidFill>
+                <a:latin typeface="Calibri"/>
+                <a:ea typeface="Calibri"/>
+                <a:cs typeface="Calibri"/>
+                <a:sym typeface="Calibri"/>
+              </a:rPr>
+              <a:t>questiontext</a:t>
             </a:r>
             <a:endParaRPr lang="es-CL" sz="1600" dirty="0" smtClean="0">
               <a:solidFill>
@@ -6518,19 +6554,7 @@
                 <a:cs typeface="Calibri"/>
                 <a:sym typeface="Calibri"/>
               </a:rPr>
-              <a:t>0</a:t>
-            </a:r>
-            <a:r>
-              <a:rPr lang="es-419" sz="1400" dirty="0" smtClean="0">
-                <a:solidFill>
-                  <a:schemeClr val="dk1"/>
-                </a:solidFill>
-                <a:latin typeface="Calibri"/>
-                <a:ea typeface="Calibri"/>
-                <a:cs typeface="Calibri"/>
-                <a:sym typeface="Calibri"/>
-              </a:rPr>
-              <a:t>:N</a:t>
+              <a:t>0:N</a:t>
             </a:r>
             <a:endParaRPr sz="1400" dirty="0">
               <a:solidFill>

--- a/MarketingProject.pptx
+++ b/MarketingProject.pptx
@@ -197,7 +197,7 @@
           <a:p>
             <a:fld id="{B88EB822-C65D-4F63-8844-3185A229456B}" type="datetimeFigureOut">
               <a:rPr lang="en-GB" smtClean="0"/>
-              <a:t>25/05/2021</a:t>
+              <a:t>29/06/2021</a:t>
             </a:fld>
             <a:endParaRPr lang="en-GB"/>
           </a:p>
@@ -705,7 +705,7 @@
           <a:p>
             <a:fld id="{88896631-C7E4-4635-9282-84EB17CD27B2}" type="datetimeFigureOut">
               <a:rPr lang="en-GB" smtClean="0"/>
-              <a:t>25/05/2021</a:t>
+              <a:t>29/06/2021</a:t>
             </a:fld>
             <a:endParaRPr lang="en-GB"/>
           </a:p>
@@ -875,7 +875,7 @@
           <a:p>
             <a:fld id="{88896631-C7E4-4635-9282-84EB17CD27B2}" type="datetimeFigureOut">
               <a:rPr lang="en-GB" smtClean="0"/>
-              <a:t>25/05/2021</a:t>
+              <a:t>29/06/2021</a:t>
             </a:fld>
             <a:endParaRPr lang="en-GB"/>
           </a:p>
@@ -1055,7 +1055,7 @@
           <a:p>
             <a:fld id="{88896631-C7E4-4635-9282-84EB17CD27B2}" type="datetimeFigureOut">
               <a:rPr lang="en-GB" smtClean="0"/>
-              <a:t>25/05/2021</a:t>
+              <a:t>29/06/2021</a:t>
             </a:fld>
             <a:endParaRPr lang="en-GB"/>
           </a:p>
@@ -1225,7 +1225,7 @@
           <a:p>
             <a:fld id="{88896631-C7E4-4635-9282-84EB17CD27B2}" type="datetimeFigureOut">
               <a:rPr lang="en-GB" smtClean="0"/>
-              <a:t>25/05/2021</a:t>
+              <a:t>29/06/2021</a:t>
             </a:fld>
             <a:endParaRPr lang="en-GB"/>
           </a:p>
@@ -1469,7 +1469,7 @@
           <a:p>
             <a:fld id="{88896631-C7E4-4635-9282-84EB17CD27B2}" type="datetimeFigureOut">
               <a:rPr lang="en-GB" smtClean="0"/>
-              <a:t>25/05/2021</a:t>
+              <a:t>29/06/2021</a:t>
             </a:fld>
             <a:endParaRPr lang="en-GB"/>
           </a:p>
@@ -1701,7 +1701,7 @@
           <a:p>
             <a:fld id="{88896631-C7E4-4635-9282-84EB17CD27B2}" type="datetimeFigureOut">
               <a:rPr lang="en-GB" smtClean="0"/>
-              <a:t>25/05/2021</a:t>
+              <a:t>29/06/2021</a:t>
             </a:fld>
             <a:endParaRPr lang="en-GB"/>
           </a:p>
@@ -2068,7 +2068,7 @@
           <a:p>
             <a:fld id="{88896631-C7E4-4635-9282-84EB17CD27B2}" type="datetimeFigureOut">
               <a:rPr lang="en-GB" smtClean="0"/>
-              <a:t>25/05/2021</a:t>
+              <a:t>29/06/2021</a:t>
             </a:fld>
             <a:endParaRPr lang="en-GB"/>
           </a:p>
@@ -2186,7 +2186,7 @@
           <a:p>
             <a:fld id="{88896631-C7E4-4635-9282-84EB17CD27B2}" type="datetimeFigureOut">
               <a:rPr lang="en-GB" smtClean="0"/>
-              <a:t>25/05/2021</a:t>
+              <a:t>29/06/2021</a:t>
             </a:fld>
             <a:endParaRPr lang="en-GB"/>
           </a:p>
@@ -2281,7 +2281,7 @@
           <a:p>
             <a:fld id="{88896631-C7E4-4635-9282-84EB17CD27B2}" type="datetimeFigureOut">
               <a:rPr lang="en-GB" smtClean="0"/>
-              <a:t>25/05/2021</a:t>
+              <a:t>29/06/2021</a:t>
             </a:fld>
             <a:endParaRPr lang="en-GB"/>
           </a:p>
@@ -2558,7 +2558,7 @@
           <a:p>
             <a:fld id="{88896631-C7E4-4635-9282-84EB17CD27B2}" type="datetimeFigureOut">
               <a:rPr lang="en-GB" smtClean="0"/>
-              <a:t>25/05/2021</a:t>
+              <a:t>29/06/2021</a:t>
             </a:fld>
             <a:endParaRPr lang="en-GB"/>
           </a:p>
@@ -2815,7 +2815,7 @@
           <a:p>
             <a:fld id="{88896631-C7E4-4635-9282-84EB17CD27B2}" type="datetimeFigureOut">
               <a:rPr lang="en-GB" smtClean="0"/>
-              <a:t>25/05/2021</a:t>
+              <a:t>29/06/2021</a:t>
             </a:fld>
             <a:endParaRPr lang="en-GB"/>
           </a:p>
@@ -3028,7 +3028,7 @@
           <a:p>
             <a:fld id="{88896631-C7E4-4635-9282-84EB17CD27B2}" type="datetimeFigureOut">
               <a:rPr lang="en-GB" smtClean="0"/>
-              <a:t>25/05/2021</a:t>
+              <a:t>29/06/2021</a:t>
             </a:fld>
             <a:endParaRPr lang="en-GB"/>
           </a:p>
@@ -6362,7 +6362,7 @@
           </a:p>
           <a:p>
             <a:r>
-              <a:rPr lang="en-GB" sz="1600" dirty="0" err="1" smtClean="0">
+              <a:rPr lang="en-GB" sz="1600">
                 <a:solidFill>
                   <a:schemeClr val="dk1"/>
                 </a:solidFill>
@@ -6371,17 +6371,20 @@
                 <a:cs typeface="Calibri"/>
                 <a:sym typeface="Calibri"/>
               </a:rPr>
-              <a:t>datetime</a:t>
-            </a:r>
-            <a:endParaRPr lang="en-GB" sz="1600" dirty="0" smtClean="0">
-              <a:solidFill>
-                <a:schemeClr val="dk1"/>
-              </a:solidFill>
-              <a:latin typeface="Calibri"/>
-              <a:ea typeface="Calibri"/>
-              <a:cs typeface="Calibri"/>
-              <a:sym typeface="Calibri"/>
-            </a:endParaRPr>
+              <a:t>d</a:t>
+            </a:r>
+            <a:r>
+              <a:rPr lang="en-GB" sz="1600" smtClean="0">
+                <a:solidFill>
+                  <a:schemeClr val="dk1"/>
+                </a:solidFill>
+                <a:latin typeface="Calibri"/>
+                <a:ea typeface="Calibri"/>
+                <a:cs typeface="Calibri"/>
+                <a:sym typeface="Calibri"/>
+              </a:rPr>
+              <a:t>ate</a:t>
+            </a:r>
           </a:p>
           <a:p>
             <a:r>

--- a/MarketingProject.pptx
+++ b/MarketingProject.pptx
@@ -197,7 +197,7 @@
           <a:p>
             <a:fld id="{B88EB822-C65D-4F63-8844-3185A229456B}" type="datetimeFigureOut">
               <a:rPr lang="en-GB" smtClean="0"/>
-              <a:t>29/06/2021</a:t>
+              <a:t>04/07/2021</a:t>
             </a:fld>
             <a:endParaRPr lang="en-GB"/>
           </a:p>
@@ -705,7 +705,7 @@
           <a:p>
             <a:fld id="{88896631-C7E4-4635-9282-84EB17CD27B2}" type="datetimeFigureOut">
               <a:rPr lang="en-GB" smtClean="0"/>
-              <a:t>29/06/2021</a:t>
+              <a:t>04/07/2021</a:t>
             </a:fld>
             <a:endParaRPr lang="en-GB"/>
           </a:p>
@@ -875,7 +875,7 @@
           <a:p>
             <a:fld id="{88896631-C7E4-4635-9282-84EB17CD27B2}" type="datetimeFigureOut">
               <a:rPr lang="en-GB" smtClean="0"/>
-              <a:t>29/06/2021</a:t>
+              <a:t>04/07/2021</a:t>
             </a:fld>
             <a:endParaRPr lang="en-GB"/>
           </a:p>
@@ -1055,7 +1055,7 @@
           <a:p>
             <a:fld id="{88896631-C7E4-4635-9282-84EB17CD27B2}" type="datetimeFigureOut">
               <a:rPr lang="en-GB" smtClean="0"/>
-              <a:t>29/06/2021</a:t>
+              <a:t>04/07/2021</a:t>
             </a:fld>
             <a:endParaRPr lang="en-GB"/>
           </a:p>
@@ -1225,7 +1225,7 @@
           <a:p>
             <a:fld id="{88896631-C7E4-4635-9282-84EB17CD27B2}" type="datetimeFigureOut">
               <a:rPr lang="en-GB" smtClean="0"/>
-              <a:t>29/06/2021</a:t>
+              <a:t>04/07/2021</a:t>
             </a:fld>
             <a:endParaRPr lang="en-GB"/>
           </a:p>
@@ -1469,7 +1469,7 @@
           <a:p>
             <a:fld id="{88896631-C7E4-4635-9282-84EB17CD27B2}" type="datetimeFigureOut">
               <a:rPr lang="en-GB" smtClean="0"/>
-              <a:t>29/06/2021</a:t>
+              <a:t>04/07/2021</a:t>
             </a:fld>
             <a:endParaRPr lang="en-GB"/>
           </a:p>
@@ -1701,7 +1701,7 @@
           <a:p>
             <a:fld id="{88896631-C7E4-4635-9282-84EB17CD27B2}" type="datetimeFigureOut">
               <a:rPr lang="en-GB" smtClean="0"/>
-              <a:t>29/06/2021</a:t>
+              <a:t>04/07/2021</a:t>
             </a:fld>
             <a:endParaRPr lang="en-GB"/>
           </a:p>
@@ -2068,7 +2068,7 @@
           <a:p>
             <a:fld id="{88896631-C7E4-4635-9282-84EB17CD27B2}" type="datetimeFigureOut">
               <a:rPr lang="en-GB" smtClean="0"/>
-              <a:t>29/06/2021</a:t>
+              <a:t>04/07/2021</a:t>
             </a:fld>
             <a:endParaRPr lang="en-GB"/>
           </a:p>
@@ -2186,7 +2186,7 @@
           <a:p>
             <a:fld id="{88896631-C7E4-4635-9282-84EB17CD27B2}" type="datetimeFigureOut">
               <a:rPr lang="en-GB" smtClean="0"/>
-              <a:t>29/06/2021</a:t>
+              <a:t>04/07/2021</a:t>
             </a:fld>
             <a:endParaRPr lang="en-GB"/>
           </a:p>
@@ -2281,7 +2281,7 @@
           <a:p>
             <a:fld id="{88896631-C7E4-4635-9282-84EB17CD27B2}" type="datetimeFigureOut">
               <a:rPr lang="en-GB" smtClean="0"/>
-              <a:t>29/06/2021</a:t>
+              <a:t>04/07/2021</a:t>
             </a:fld>
             <a:endParaRPr lang="en-GB"/>
           </a:p>
@@ -2558,7 +2558,7 @@
           <a:p>
             <a:fld id="{88896631-C7E4-4635-9282-84EB17CD27B2}" type="datetimeFigureOut">
               <a:rPr lang="en-GB" smtClean="0"/>
-              <a:t>29/06/2021</a:t>
+              <a:t>04/07/2021</a:t>
             </a:fld>
             <a:endParaRPr lang="en-GB"/>
           </a:p>
@@ -2815,7 +2815,7 @@
           <a:p>
             <a:fld id="{88896631-C7E4-4635-9282-84EB17CD27B2}" type="datetimeFigureOut">
               <a:rPr lang="en-GB" smtClean="0"/>
-              <a:t>29/06/2021</a:t>
+              <a:t>04/07/2021</a:t>
             </a:fld>
             <a:endParaRPr lang="en-GB"/>
           </a:p>
@@ -3028,7 +3028,7 @@
           <a:p>
             <a:fld id="{88896631-C7E4-4635-9282-84EB17CD27B2}" type="datetimeFigureOut">
               <a:rPr lang="en-GB" smtClean="0"/>
-              <a:t>29/06/2021</a:t>
+              <a:t>04/07/2021</a:t>
             </a:fld>
             <a:endParaRPr lang="en-GB"/>
           </a:p>
@@ -5678,258 +5678,6 @@
                 <a:sym typeface="Calibri"/>
               </a:rPr>
               <a:t>0:N</a:t>
-            </a:r>
-            <a:endParaRPr sz="1400" dirty="0">
-              <a:solidFill>
-                <a:schemeClr val="dk1"/>
-              </a:solidFill>
-              <a:latin typeface="Calibri"/>
-              <a:ea typeface="Calibri"/>
-              <a:cs typeface="Calibri"/>
-              <a:sym typeface="Calibri"/>
-            </a:endParaRPr>
-          </a:p>
-        </p:txBody>
-      </p:sp>
-      <p:sp>
-        <p:nvSpPr>
-          <p:cNvPr id="66" name="Google Shape;156;p28"/>
-          <p:cNvSpPr/>
-          <p:nvPr/>
-        </p:nvSpPr>
-        <p:spPr>
-          <a:xfrm>
-            <a:off x="3013660" y="4788787"/>
-            <a:ext cx="597000" cy="394800"/>
-          </a:xfrm>
-          <a:prstGeom prst="diamond">
-            <a:avLst/>
-          </a:prstGeom>
-          <a:solidFill>
-            <a:schemeClr val="lt1"/>
-          </a:solidFill>
-          <a:ln w="25400" cap="flat" cmpd="sng">
-            <a:solidFill>
-              <a:schemeClr val="accent6"/>
-            </a:solidFill>
-            <a:prstDash val="solid"/>
-            <a:round/>
-            <a:headEnd type="none" w="sm" len="sm"/>
-            <a:tailEnd type="none" w="sm" len="sm"/>
-          </a:ln>
-        </p:spPr>
-        <p:txBody>
-          <a:bodyPr spcFirstLastPara="1" wrap="square" lIns="91425" tIns="45700" rIns="91425" bIns="45700" anchor="ctr" anchorCtr="0">
-            <a:noAutofit/>
-          </a:bodyPr>
-          <a:lstStyle/>
-          <a:p>
-            <a:pPr algn="ctr"/>
-            <a:endParaRPr>
-              <a:solidFill>
-                <a:schemeClr val="dk1"/>
-              </a:solidFill>
-              <a:latin typeface="Calibri"/>
-              <a:ea typeface="Calibri"/>
-              <a:cs typeface="Calibri"/>
-              <a:sym typeface="Calibri"/>
-            </a:endParaRPr>
-          </a:p>
-        </p:txBody>
-      </p:sp>
-      <p:cxnSp>
-        <p:nvCxnSpPr>
-          <p:cNvPr id="67" name="Google Shape;158;p28"/>
-          <p:cNvCxnSpPr>
-            <a:stCxn id="66" idx="0"/>
-            <a:endCxn id="148" idx="2"/>
-          </p:cNvCxnSpPr>
-          <p:nvPr/>
-        </p:nvCxnSpPr>
-        <p:spPr>
-          <a:xfrm flipH="1" flipV="1">
-            <a:off x="1999497" y="4040855"/>
-            <a:ext cx="1312663" cy="747932"/>
-          </a:xfrm>
-          <a:prstGeom prst="straightConnector1">
-            <a:avLst/>
-          </a:prstGeom>
-          <a:noFill/>
-          <a:ln w="9525" cap="flat" cmpd="sng">
-            <a:solidFill>
-              <a:srgbClr val="4A7DBA"/>
-            </a:solidFill>
-            <a:prstDash val="solid"/>
-            <a:round/>
-            <a:headEnd type="none" w="sm" len="sm"/>
-            <a:tailEnd type="none" w="sm" len="sm"/>
-          </a:ln>
-        </p:spPr>
-      </p:cxnSp>
-      <p:cxnSp>
-        <p:nvCxnSpPr>
-          <p:cNvPr id="68" name="Google Shape;157;p28"/>
-          <p:cNvCxnSpPr>
-            <a:stCxn id="66" idx="2"/>
-            <a:endCxn id="108" idx="0"/>
-          </p:cNvCxnSpPr>
-          <p:nvPr/>
-        </p:nvCxnSpPr>
-        <p:spPr>
-          <a:xfrm>
-            <a:off x="3312160" y="5183587"/>
-            <a:ext cx="518164" cy="646464"/>
-          </a:xfrm>
-          <a:prstGeom prst="straightConnector1">
-            <a:avLst/>
-          </a:prstGeom>
-          <a:noFill/>
-          <a:ln w="9525" cap="flat" cmpd="sng">
-            <a:solidFill>
-              <a:srgbClr val="4A7DBA"/>
-            </a:solidFill>
-            <a:prstDash val="solid"/>
-            <a:round/>
-            <a:headEnd type="none" w="sm" len="sm"/>
-            <a:tailEnd type="none" w="sm" len="sm"/>
-          </a:ln>
-        </p:spPr>
-      </p:cxnSp>
-      <p:sp>
-        <p:nvSpPr>
-          <p:cNvPr id="72" name="Google Shape;164;p28"/>
-          <p:cNvSpPr txBox="1"/>
-          <p:nvPr/>
-        </p:nvSpPr>
-        <p:spPr>
-          <a:xfrm>
-            <a:off x="3352871" y="5018670"/>
-            <a:ext cx="1094700" cy="294738"/>
-          </a:xfrm>
-          <a:prstGeom prst="rect">
-            <a:avLst/>
-          </a:prstGeom>
-          <a:noFill/>
-          <a:ln>
-            <a:noFill/>
-          </a:ln>
-        </p:spPr>
-        <p:txBody>
-          <a:bodyPr spcFirstLastPara="1" wrap="square" lIns="91425" tIns="45700" rIns="91425" bIns="45700" anchor="t" anchorCtr="0">
-            <a:noAutofit/>
-          </a:bodyPr>
-          <a:lstStyle/>
-          <a:p>
-            <a:pPr algn="ctr"/>
-            <a:r>
-              <a:rPr lang="es-CL" sz="1600" dirty="0" err="1" smtClean="0">
-                <a:solidFill>
-                  <a:schemeClr val="dk1"/>
-                </a:solidFill>
-                <a:latin typeface="Calibri"/>
-                <a:ea typeface="Calibri"/>
-                <a:cs typeface="Calibri"/>
-                <a:sym typeface="Calibri"/>
-              </a:rPr>
-              <a:t>answering</a:t>
-            </a:r>
-            <a:endParaRPr sz="1600" dirty="0">
-              <a:solidFill>
-                <a:schemeClr val="dk1"/>
-              </a:solidFill>
-              <a:latin typeface="Calibri"/>
-              <a:ea typeface="Calibri"/>
-              <a:cs typeface="Calibri"/>
-              <a:sym typeface="Calibri"/>
-            </a:endParaRPr>
-          </a:p>
-        </p:txBody>
-      </p:sp>
-      <p:sp>
-        <p:nvSpPr>
-          <p:cNvPr id="73" name="Google Shape;154;p28"/>
-          <p:cNvSpPr txBox="1"/>
-          <p:nvPr/>
-        </p:nvSpPr>
-        <p:spPr>
-          <a:xfrm>
-            <a:off x="3772705" y="5538331"/>
-            <a:ext cx="567000" cy="231000"/>
-          </a:xfrm>
-          <a:prstGeom prst="rect">
-            <a:avLst/>
-          </a:prstGeom>
-          <a:noFill/>
-          <a:ln>
-            <a:noFill/>
-          </a:ln>
-        </p:spPr>
-        <p:txBody>
-          <a:bodyPr spcFirstLastPara="1" wrap="square" lIns="91425" tIns="45700" rIns="91425" bIns="45700" anchor="t" anchorCtr="0">
-            <a:noAutofit/>
-          </a:bodyPr>
-          <a:lstStyle/>
-          <a:p>
-            <a:r>
-              <a:rPr lang="es-419" sz="1400" dirty="0" smtClean="0">
-                <a:solidFill>
-                  <a:schemeClr val="dk1"/>
-                </a:solidFill>
-                <a:latin typeface="Calibri"/>
-                <a:ea typeface="Calibri"/>
-                <a:cs typeface="Calibri"/>
-                <a:sym typeface="Calibri"/>
-              </a:rPr>
-              <a:t>0:N</a:t>
-            </a:r>
-            <a:endParaRPr sz="1400" dirty="0">
-              <a:solidFill>
-                <a:schemeClr val="dk1"/>
-              </a:solidFill>
-              <a:latin typeface="Calibri"/>
-              <a:ea typeface="Calibri"/>
-              <a:cs typeface="Calibri"/>
-              <a:sym typeface="Calibri"/>
-            </a:endParaRPr>
-          </a:p>
-        </p:txBody>
-      </p:sp>
-      <p:sp>
-        <p:nvSpPr>
-          <p:cNvPr id="74" name="Google Shape;154;p28"/>
-          <p:cNvSpPr txBox="1"/>
-          <p:nvPr/>
-        </p:nvSpPr>
-        <p:spPr>
-          <a:xfrm>
-            <a:off x="2335126" y="4058125"/>
-            <a:ext cx="567000" cy="231000"/>
-          </a:xfrm>
-          <a:prstGeom prst="rect">
-            <a:avLst/>
-          </a:prstGeom>
-          <a:noFill/>
-          <a:ln>
-            <a:noFill/>
-          </a:ln>
-        </p:spPr>
-        <p:txBody>
-          <a:bodyPr spcFirstLastPara="1" wrap="square" lIns="91425" tIns="45700" rIns="91425" bIns="45700" anchor="t" anchorCtr="0">
-            <a:noAutofit/>
-          </a:bodyPr>
-          <a:lstStyle/>
-          <a:p>
-            <a:r>
-              <a:rPr lang="es-419" sz="1400" dirty="0" smtClean="0">
-                <a:solidFill>
-                  <a:schemeClr val="dk1"/>
-                </a:solidFill>
-                <a:latin typeface="Calibri"/>
-                <a:ea typeface="Calibri"/>
-                <a:cs typeface="Calibri"/>
-                <a:sym typeface="Calibri"/>
-              </a:rPr>
-              <a:t>1:1</a:t>
             </a:r>
             <a:endParaRPr sz="1400" dirty="0">
               <a:solidFill>
